--- a/web/Leitura_e_Aprendizagem/Informatica/Programacao/Programacao_web/Html/HTML_BASICO/00008_HTML_a_Tag_BODY.pptx
+++ b/web/Leitura_e_Aprendizagem/Informatica/Programacao/Programacao_web/Html/HTML_BASICO/00008_HTML_a_Tag_BODY.pptx
@@ -5,7 +5,7 @@
     <p:sldMasterId id="2147483792" r:id="rId1"/>
   </p:sldMasterIdLst>
   <p:notesMasterIdLst>
-    <p:notesMasterId r:id="rId19"/>
+    <p:notesMasterId r:id="rId20"/>
   </p:notesMasterIdLst>
   <p:sldIdLst>
     <p:sldId id="388" r:id="rId2"/>
@@ -21,10 +21,11 @@
     <p:sldId id="449" r:id="rId12"/>
     <p:sldId id="450" r:id="rId13"/>
     <p:sldId id="452" r:id="rId14"/>
-    <p:sldId id="295" r:id="rId15"/>
-    <p:sldId id="439" r:id="rId16"/>
-    <p:sldId id="297" r:id="rId17"/>
-    <p:sldId id="364" r:id="rId18"/>
+    <p:sldId id="457" r:id="rId15"/>
+    <p:sldId id="295" r:id="rId16"/>
+    <p:sldId id="439" r:id="rId17"/>
+    <p:sldId id="297" r:id="rId18"/>
+    <p:sldId id="364" r:id="rId19"/>
   </p:sldIdLst>
   <p:sldSz cx="8959850" cy="5040313"/>
   <p:notesSz cx="6858000" cy="9144000"/>
@@ -144,6 +145,7 @@
             <p14:sldId id="449"/>
             <p14:sldId id="450"/>
             <p14:sldId id="452"/>
+            <p14:sldId id="457"/>
             <p14:sldId id="295"/>
             <p14:sldId id="439"/>
             <p14:sldId id="297"/>
@@ -266,7 +268,7 @@
             <a:fld id="{8E16BBD4-8911-4A0F-AA6A-6D6D8349903B}" type="datetimeFigureOut">
               <a:rPr lang="pt-BR" smtClean="0"/>
               <a:pPr/>
-              <a:t>08/03/2020</a:t>
+              <a:t>05/04/2020</a:t>
             </a:fld>
             <a:endParaRPr lang="pt-BR"/>
           </a:p>
@@ -1078,7 +1080,7 @@
     </p:spTree>
     <p:extLst>
       <p:ext uri="{BB962C8B-B14F-4D97-AF65-F5344CB8AC3E}">
-        <p14:creationId xmlns:p14="http://schemas.microsoft.com/office/powerpoint/2010/main" val="2710302298"/>
+        <p14:creationId xmlns:p14="http://schemas.microsoft.com/office/powerpoint/2010/main" val="3462564980"/>
       </p:ext>
     </p:extLst>
   </p:cSld>
@@ -1170,7 +1172,7 @@
     </p:spTree>
     <p:extLst>
       <p:ext uri="{BB962C8B-B14F-4D97-AF65-F5344CB8AC3E}">
-        <p14:creationId xmlns:p14="http://schemas.microsoft.com/office/powerpoint/2010/main" val="3071955778"/>
+        <p14:creationId xmlns:p14="http://schemas.microsoft.com/office/powerpoint/2010/main" val="2710302298"/>
       </p:ext>
     </p:extLst>
   </p:cSld>
@@ -1262,7 +1264,7 @@
     </p:spTree>
     <p:extLst>
       <p:ext uri="{BB962C8B-B14F-4D97-AF65-F5344CB8AC3E}">
-        <p14:creationId xmlns:p14="http://schemas.microsoft.com/office/powerpoint/2010/main" val="2128884074"/>
+        <p14:creationId xmlns:p14="http://schemas.microsoft.com/office/powerpoint/2010/main" val="3071955778"/>
       </p:ext>
     </p:extLst>
   </p:cSld>
@@ -1346,6 +1348,98 @@
               <a:rPr lang="pt-BR" smtClean="0"/>
               <a:pPr/>
               <a:t>17</a:t>
+            </a:fld>
+            <a:endParaRPr lang="pt-BR"/>
+          </a:p>
+        </p:txBody>
+      </p:sp>
+    </p:spTree>
+    <p:extLst>
+      <p:ext uri="{BB962C8B-B14F-4D97-AF65-F5344CB8AC3E}">
+        <p14:creationId xmlns:p14="http://schemas.microsoft.com/office/powerpoint/2010/main" val="2128884074"/>
+      </p:ext>
+    </p:extLst>
+  </p:cSld>
+  <p:clrMapOvr>
+    <a:masterClrMapping/>
+  </p:clrMapOvr>
+</p:notes>
+</file>
+
+<file path=ppt/notesSlides/notesSlide18.xml><?xml version="1.0" encoding="utf-8"?>
+<p:notes xmlns:a="http://schemas.openxmlformats.org/drawingml/2006/main" xmlns:r="http://schemas.openxmlformats.org/officeDocument/2006/relationships" xmlns:p="http://schemas.openxmlformats.org/presentationml/2006/main">
+  <p:cSld>
+    <p:spTree>
+      <p:nvGrpSpPr>
+        <p:cNvPr id="1" name=""/>
+        <p:cNvGrpSpPr/>
+        <p:nvPr/>
+      </p:nvGrpSpPr>
+      <p:grpSpPr>
+        <a:xfrm>
+          <a:off x="0" y="0"/>
+          <a:ext cx="0" cy="0"/>
+          <a:chOff x="0" y="0"/>
+          <a:chExt cx="0" cy="0"/>
+        </a:xfrm>
+      </p:grpSpPr>
+      <p:sp>
+        <p:nvSpPr>
+          <p:cNvPr id="2" name="Espaço Reservado para Imagem de Slide 1"/>
+          <p:cNvSpPr>
+            <a:spLocks noGrp="1" noRot="1" noChangeAspect="1"/>
+          </p:cNvSpPr>
+          <p:nvPr>
+            <p:ph type="sldImg"/>
+          </p:nvPr>
+        </p:nvSpPr>
+        <p:spPr>
+          <a:xfrm>
+            <a:off x="382588" y="685800"/>
+            <a:ext cx="6092825" cy="3429000"/>
+          </a:xfrm>
+        </p:spPr>
+      </p:sp>
+      <p:sp>
+        <p:nvSpPr>
+          <p:cNvPr id="3" name="Espaço Reservado para Anotações 2"/>
+          <p:cNvSpPr>
+            <a:spLocks noGrp="1"/>
+          </p:cNvSpPr>
+          <p:nvPr>
+            <p:ph type="body" idx="1"/>
+          </p:nvPr>
+        </p:nvSpPr>
+        <p:spPr/>
+        <p:txBody>
+          <a:bodyPr>
+            <a:normAutofit/>
+          </a:bodyPr>
+          <a:lstStyle/>
+          <a:p>
+            <a:endParaRPr lang="pt-BR"/>
+          </a:p>
+        </p:txBody>
+      </p:sp>
+      <p:sp>
+        <p:nvSpPr>
+          <p:cNvPr id="4" name="Espaço Reservado para Número de Slide 3"/>
+          <p:cNvSpPr>
+            <a:spLocks noGrp="1"/>
+          </p:cNvSpPr>
+          <p:nvPr>
+            <p:ph type="sldNum" sz="quarter" idx="10"/>
+          </p:nvPr>
+        </p:nvSpPr>
+        <p:spPr/>
+        <p:txBody>
+          <a:bodyPr/>
+          <a:lstStyle/>
+          <a:p>
+            <a:fld id="{AA3BDF02-B96A-49DA-B87B-E5BEC32AF444}" type="slidenum">
+              <a:rPr lang="pt-BR" smtClean="0"/>
+              <a:pPr/>
+              <a:t>18</a:t>
             </a:fld>
             <a:endParaRPr lang="pt-BR"/>
           </a:p>
@@ -2232,7 +2326,7 @@
             <a:fld id="{F8BDB6AA-63F8-4F31-8EA3-CB6FE8D9515C}" type="datetimeFigureOut">
               <a:rPr lang="pt-BR" smtClean="0"/>
               <a:pPr/>
-              <a:t>08/03/2020</a:t>
+              <a:t>05/04/2020</a:t>
             </a:fld>
             <a:endParaRPr lang="pt-BR"/>
           </a:p>
@@ -2404,7 +2498,7 @@
             <a:fld id="{F8BDB6AA-63F8-4F31-8EA3-CB6FE8D9515C}" type="datetimeFigureOut">
               <a:rPr lang="pt-BR" smtClean="0"/>
               <a:pPr/>
-              <a:t>08/03/2020</a:t>
+              <a:t>05/04/2020</a:t>
             </a:fld>
             <a:endParaRPr lang="pt-BR"/>
           </a:p>
@@ -2586,7 +2680,7 @@
             <a:fld id="{F8BDB6AA-63F8-4F31-8EA3-CB6FE8D9515C}" type="datetimeFigureOut">
               <a:rPr lang="pt-BR" smtClean="0"/>
               <a:pPr/>
-              <a:t>08/03/2020</a:t>
+              <a:t>05/04/2020</a:t>
             </a:fld>
             <a:endParaRPr lang="pt-BR"/>
           </a:p>
@@ -2758,7 +2852,7 @@
             <a:fld id="{F8BDB6AA-63F8-4F31-8EA3-CB6FE8D9515C}" type="datetimeFigureOut">
               <a:rPr lang="pt-BR" smtClean="0"/>
               <a:pPr/>
-              <a:t>08/03/2020</a:t>
+              <a:t>05/04/2020</a:t>
             </a:fld>
             <a:endParaRPr lang="pt-BR"/>
           </a:p>
@@ -3006,7 +3100,7 @@
             <a:fld id="{F8BDB6AA-63F8-4F31-8EA3-CB6FE8D9515C}" type="datetimeFigureOut">
               <a:rPr lang="pt-BR" smtClean="0"/>
               <a:pPr/>
-              <a:t>08/03/2020</a:t>
+              <a:t>05/04/2020</a:t>
             </a:fld>
             <a:endParaRPr lang="pt-BR"/>
           </a:p>
@@ -3240,7 +3334,7 @@
             <a:fld id="{F8BDB6AA-63F8-4F31-8EA3-CB6FE8D9515C}" type="datetimeFigureOut">
               <a:rPr lang="pt-BR" smtClean="0"/>
               <a:pPr/>
-              <a:t>08/03/2020</a:t>
+              <a:t>05/04/2020</a:t>
             </a:fld>
             <a:endParaRPr lang="pt-BR"/>
           </a:p>
@@ -3609,7 +3703,7 @@
             <a:fld id="{F8BDB6AA-63F8-4F31-8EA3-CB6FE8D9515C}" type="datetimeFigureOut">
               <a:rPr lang="pt-BR" smtClean="0"/>
               <a:pPr/>
-              <a:t>08/03/2020</a:t>
+              <a:t>05/04/2020</a:t>
             </a:fld>
             <a:endParaRPr lang="pt-BR"/>
           </a:p>
@@ -3729,7 +3823,7 @@
             <a:fld id="{F8BDB6AA-63F8-4F31-8EA3-CB6FE8D9515C}" type="datetimeFigureOut">
               <a:rPr lang="pt-BR" smtClean="0"/>
               <a:pPr/>
-              <a:t>08/03/2020</a:t>
+              <a:t>05/04/2020</a:t>
             </a:fld>
             <a:endParaRPr lang="pt-BR"/>
           </a:p>
@@ -3826,7 +3920,7 @@
             <a:fld id="{F8BDB6AA-63F8-4F31-8EA3-CB6FE8D9515C}" type="datetimeFigureOut">
               <a:rPr lang="pt-BR" smtClean="0"/>
               <a:pPr/>
-              <a:t>08/03/2020</a:t>
+              <a:t>05/04/2020</a:t>
             </a:fld>
             <a:endParaRPr lang="pt-BR"/>
           </a:p>
@@ -4105,7 +4199,7 @@
             <a:fld id="{F8BDB6AA-63F8-4F31-8EA3-CB6FE8D9515C}" type="datetimeFigureOut">
               <a:rPr lang="pt-BR" smtClean="0"/>
               <a:pPr/>
-              <a:t>08/03/2020</a:t>
+              <a:t>05/04/2020</a:t>
             </a:fld>
             <a:endParaRPr lang="pt-BR"/>
           </a:p>
@@ -4364,7 +4458,7 @@
             <a:fld id="{F8BDB6AA-63F8-4F31-8EA3-CB6FE8D9515C}" type="datetimeFigureOut">
               <a:rPr lang="pt-BR" smtClean="0"/>
               <a:pPr/>
-              <a:t>08/03/2020</a:t>
+              <a:t>05/04/2020</a:t>
             </a:fld>
             <a:endParaRPr lang="pt-BR"/>
           </a:p>
@@ -4588,7 +4682,7 @@
             <a:fld id="{F8BDB6AA-63F8-4F31-8EA3-CB6FE8D9515C}" type="datetimeFigureOut">
               <a:rPr lang="pt-BR" smtClean="0"/>
               <a:pPr/>
-              <a:t>08/03/2020</a:t>
+              <a:t>05/04/2020</a:t>
             </a:fld>
             <a:endParaRPr lang="pt-BR"/>
           </a:p>
@@ -6064,23 +6158,7 @@
                   </a:outerShdw>
                 </a:effectLst>
               </a:rPr>
-              <a:t>&lt;body</a:t>
-            </a:r>
-            <a:r>
-              <a:rPr lang="pt-BR" sz="2800" dirty="0" smtClean="0">
-                <a:ln w="0"/>
-                <a:solidFill>
-                  <a:schemeClr val="bg1"/>
-                </a:solidFill>
-                <a:effectLst>
-                  <a:outerShdw blurRad="38100" dist="19050" dir="2700000" algn="tl" rotWithShape="0">
-                    <a:schemeClr val="dk1">
-                      <a:alpha val="40000"/>
-                    </a:schemeClr>
-                  </a:outerShdw>
-                </a:effectLst>
-              </a:rPr>
-              <a:t>&gt;</a:t>
+              <a:t>&lt;body&gt;</a:t>
             </a:r>
           </a:p>
         </p:txBody>
@@ -8222,19 +8300,6 @@
               </a:rPr>
               <a:t>O elemento &lt;body&gt; contém todo o conteúdo de um documento HTML, como texto, links, imagens, tabelas, listas, etc.</a:t>
             </a:r>
-            <a:endParaRPr lang="pt-BR" sz="2300" dirty="0">
-              <a:ln w="0"/>
-              <a:solidFill>
-                <a:schemeClr val="bg1"/>
-              </a:solidFill>
-              <a:effectLst>
-                <a:outerShdw blurRad="38100" dist="19050" dir="2700000" algn="tl" rotWithShape="0">
-                  <a:schemeClr val="dk1">
-                    <a:alpha val="40000"/>
-                  </a:schemeClr>
-                </a:outerShdw>
-              </a:effectLst>
-            </a:endParaRPr>
           </a:p>
         </p:txBody>
       </p:sp>
@@ -8882,23 +8947,7 @@
                   </a:outerShdw>
                 </a:effectLst>
               </a:rPr>
-              <a:t>&lt;body</a:t>
-            </a:r>
-            <a:r>
-              <a:rPr lang="pt-BR" sz="2800" dirty="0" smtClean="0">
-                <a:ln w="0"/>
-                <a:solidFill>
-                  <a:schemeClr val="bg1"/>
-                </a:solidFill>
-                <a:effectLst>
-                  <a:outerShdw blurRad="38100" dist="19050" dir="2700000" algn="tl" rotWithShape="0">
-                    <a:schemeClr val="dk1">
-                      <a:alpha val="40000"/>
-                    </a:schemeClr>
-                  </a:outerShdw>
-                </a:effectLst>
-              </a:rPr>
-              <a:t>&gt;</a:t>
+              <a:t>&lt;body&gt;</a:t>
             </a:r>
           </a:p>
         </p:txBody>
@@ -8945,23 +8994,7 @@
                   </a:outerShdw>
                 </a:effectLst>
               </a:rPr>
-              <a:t>&lt;body</a:t>
-            </a:r>
-            <a:r>
-              <a:rPr lang="pt-BR" sz="2800" dirty="0" smtClean="0">
-                <a:ln w="0"/>
-                <a:solidFill>
-                  <a:schemeClr val="bg1"/>
-                </a:solidFill>
-                <a:effectLst>
-                  <a:outerShdw blurRad="38100" dist="19050" dir="2700000" algn="tl" rotWithShape="0">
-                    <a:schemeClr val="dk1">
-                      <a:alpha val="40000"/>
-                    </a:schemeClr>
-                  </a:outerShdw>
-                </a:effectLst>
-              </a:rPr>
-              <a:t>&gt;</a:t>
+              <a:t>&lt;body&gt;</a:t>
             </a:r>
           </a:p>
         </p:txBody>
@@ -9319,53 +9352,8 @@
                   </a:outerShdw>
                 </a:effectLst>
               </a:rPr>
-              <a:t>Sinal de </a:t>
-            </a:r>
-            <a:r>
-              <a:rPr lang="pt-BR" sz="2300" b="1" dirty="0" smtClean="0">
-                <a:ln w="0"/>
-                <a:solidFill>
-                  <a:srgbClr val="FFFF00"/>
-                </a:solidFill>
-                <a:effectLst>
-                  <a:outerShdw blurRad="38100" dist="19050" dir="2700000" algn="tl" rotWithShape="0">
-                    <a:schemeClr val="dk1">
-                      <a:alpha val="40000"/>
-                    </a:schemeClr>
-                  </a:outerShdw>
-                </a:effectLst>
-              </a:rPr>
-              <a:t>abertura e de fechamento</a:t>
-            </a:r>
-            <a:r>
-              <a:rPr lang="pt-BR" sz="2300" b="1" dirty="0" smtClean="0">
-                <a:ln w="0"/>
-                <a:solidFill>
-                  <a:srgbClr val="FFFF00"/>
-                </a:solidFill>
-                <a:effectLst>
-                  <a:outerShdw blurRad="38100" dist="19050" dir="2700000" algn="tl" rotWithShape="0">
-                    <a:schemeClr val="dk1">
-                      <a:alpha val="40000"/>
-                    </a:schemeClr>
-                  </a:outerShdw>
-                </a:effectLst>
-              </a:rPr>
-              <a:t>:</a:t>
-            </a:r>
-            <a:endParaRPr lang="pt-BR" sz="2300" b="1" dirty="0" smtClean="0">
-              <a:ln w="0"/>
-              <a:solidFill>
-                <a:srgbClr val="FFFF00"/>
-              </a:solidFill>
-              <a:effectLst>
-                <a:outerShdw blurRad="38100" dist="19050" dir="2700000" algn="tl" rotWithShape="0">
-                  <a:schemeClr val="dk1">
-                    <a:alpha val="40000"/>
-                  </a:schemeClr>
-                </a:outerShdw>
-              </a:effectLst>
-            </a:endParaRPr>
+              <a:t>Sinal de abertura e de fechamento:</a:t>
+            </a:r>
           </a:p>
         </p:txBody>
       </p:sp>
@@ -10013,23 +10001,7 @@
                   </a:outerShdw>
                 </a:effectLst>
               </a:rPr>
-              <a:t>&lt;body</a:t>
-            </a:r>
-            <a:r>
-              <a:rPr lang="pt-BR" sz="2800" dirty="0" smtClean="0">
-                <a:ln w="0"/>
-                <a:solidFill>
-                  <a:schemeClr val="bg1"/>
-                </a:solidFill>
-                <a:effectLst>
-                  <a:outerShdw blurRad="38100" dist="19050" dir="2700000" algn="tl" rotWithShape="0">
-                    <a:schemeClr val="dk1">
-                      <a:alpha val="40000"/>
-                    </a:schemeClr>
-                  </a:outerShdw>
-                </a:effectLst>
-              </a:rPr>
-              <a:t>&gt;</a:t>
+              <a:t>&lt;body&gt;</a:t>
             </a:r>
           </a:p>
         </p:txBody>
@@ -10123,13 +10095,13 @@
                   </a:outerShdw>
                 </a:effectLst>
               </a:rPr>
-              <a:t>Toda </a:t>
-            </a:r>
-            <a:r>
-              <a:rPr lang="pt-BR" sz="2300" dirty="0" smtClean="0">
+              <a:t>Toda tag </a:t>
+            </a:r>
+            <a:r>
+              <a:rPr lang="pt-BR" sz="2300" b="1" dirty="0" smtClean="0">
                 <a:ln w="0"/>
                 <a:solidFill>
-                  <a:schemeClr val="bg1"/>
+                  <a:srgbClr val="FFFF00"/>
                 </a:solidFill>
                 <a:effectLst>
                   <a:outerShdw blurRad="38100" dist="19050" dir="2700000" algn="tl" rotWithShape="0">
@@ -10139,13 +10111,13 @@
                   </a:outerShdw>
                 </a:effectLst>
               </a:rPr>
-              <a:t>tag </a:t>
-            </a:r>
-            <a:r>
-              <a:rPr lang="pt-BR" sz="2300" b="1" dirty="0" smtClean="0">
+              <a:t>body</a:t>
+            </a:r>
+            <a:r>
+              <a:rPr lang="pt-BR" sz="2300" dirty="0" smtClean="0">
                 <a:ln w="0"/>
                 <a:solidFill>
-                  <a:srgbClr val="FFFF00"/>
+                  <a:schemeClr val="bg1"/>
                 </a:solidFill>
                 <a:effectLst>
                   <a:outerShdw blurRad="38100" dist="19050" dir="2700000" algn="tl" rotWithShape="0">
@@ -10155,13 +10127,13 @@
                   </a:outerShdw>
                 </a:effectLst>
               </a:rPr>
-              <a:t>body</a:t>
-            </a:r>
-            <a:r>
-              <a:rPr lang="pt-BR" sz="2300" dirty="0" smtClean="0">
+              <a:t> é iniciada com o sinal menor que ( </a:t>
+            </a:r>
+            <a:r>
+              <a:rPr lang="pt-BR" sz="2300" b="1" dirty="0" smtClean="0">
                 <a:ln w="0"/>
                 <a:solidFill>
-                  <a:schemeClr val="bg1"/>
+                  <a:srgbClr val="FFFF00"/>
                 </a:solidFill>
                 <a:effectLst>
                   <a:outerShdw blurRad="38100" dist="19050" dir="2700000" algn="tl" rotWithShape="0">
@@ -10171,7 +10143,7 @@
                   </a:outerShdw>
                 </a:effectLst>
               </a:rPr>
-              <a:t> </a:t>
+              <a:t>&lt;</a:t>
             </a:r>
             <a:r>
               <a:rPr lang="pt-BR" sz="2300" dirty="0" smtClean="0">
@@ -10187,69 +10159,8 @@
                   </a:outerShdw>
                 </a:effectLst>
               </a:rPr>
-              <a:t>é iniciada com </a:t>
-            </a:r>
-            <a:r>
-              <a:rPr lang="pt-BR" sz="2300" dirty="0" smtClean="0">
-                <a:ln w="0"/>
-                <a:solidFill>
-                  <a:schemeClr val="bg1"/>
-                </a:solidFill>
-                <a:effectLst>
-                  <a:outerShdw blurRad="38100" dist="19050" dir="2700000" algn="tl" rotWithShape="0">
-                    <a:schemeClr val="dk1">
-                      <a:alpha val="40000"/>
-                    </a:schemeClr>
-                  </a:outerShdw>
-                </a:effectLst>
-              </a:rPr>
-              <a:t>o sinal menor que ( </a:t>
-            </a:r>
-            <a:r>
-              <a:rPr lang="pt-BR" sz="2300" b="1" dirty="0" smtClean="0">
-                <a:ln w="0"/>
-                <a:solidFill>
-                  <a:srgbClr val="FFFF00"/>
-                </a:solidFill>
-                <a:effectLst>
-                  <a:outerShdw blurRad="38100" dist="19050" dir="2700000" algn="tl" rotWithShape="0">
-                    <a:schemeClr val="dk1">
-                      <a:alpha val="40000"/>
-                    </a:schemeClr>
-                  </a:outerShdw>
-                </a:effectLst>
-              </a:rPr>
-              <a:t>&lt;</a:t>
-            </a:r>
-            <a:r>
-              <a:rPr lang="pt-BR" sz="2300" dirty="0" smtClean="0">
-                <a:ln w="0"/>
-                <a:solidFill>
-                  <a:schemeClr val="bg1"/>
-                </a:solidFill>
-                <a:effectLst>
-                  <a:outerShdw blurRad="38100" dist="19050" dir="2700000" algn="tl" rotWithShape="0">
-                    <a:schemeClr val="dk1">
-                      <a:alpha val="40000"/>
-                    </a:schemeClr>
-                  </a:outerShdw>
-                </a:effectLst>
-              </a:rPr>
               <a:t> )</a:t>
             </a:r>
-            <a:endParaRPr lang="pt-BR" sz="2300" dirty="0" smtClean="0">
-              <a:ln w="0"/>
-              <a:solidFill>
-                <a:schemeClr val="bg1"/>
-              </a:solidFill>
-              <a:effectLst>
-                <a:outerShdw blurRad="38100" dist="19050" dir="2700000" algn="tl" rotWithShape="0">
-                  <a:schemeClr val="dk1">
-                    <a:alpha val="40000"/>
-                  </a:schemeClr>
-                </a:outerShdw>
-              </a:effectLst>
-            </a:endParaRPr>
           </a:p>
           <a:p>
             <a:r>
@@ -10557,59 +10468,12 @@
           <a:chExt cx="0" cy="0"/>
         </a:xfrm>
       </p:grpSpPr>
-      <p:pic>
-        <p:nvPicPr>
-          <p:cNvPr id="1026" name="Picture 2" descr="Resultado de imagem para matrix">
+      <p:sp>
+        <p:nvSpPr>
+          <p:cNvPr id="29" name="Rectangle 11">
             <a:extLst>
               <a:ext uri="{FF2B5EF4-FFF2-40B4-BE49-F238E27FC236}">
-                <a16:creationId xmlns:a16="http://schemas.microsoft.com/office/drawing/2014/main" xmlns="" id="{C43632EC-2672-4F6D-9DA0-17A5FFE25C07}"/>
-              </a:ext>
-            </a:extLst>
-          </p:cNvPr>
-          <p:cNvPicPr>
-            <a:picLocks noChangeAspect="1" noChangeArrowheads="1"/>
-          </p:cNvPicPr>
-          <p:nvPr/>
-        </p:nvPicPr>
-        <p:blipFill>
-          <a:blip r:embed="rId3">
-            <a:extLst>
-              <a:ext uri="{28A0092B-C50C-407E-A947-70E740481C1C}">
-                <a14:useLocalDpi xmlns:a14="http://schemas.microsoft.com/office/drawing/2010/main" val="0"/>
-              </a:ext>
-            </a:extLst>
-          </a:blip>
-          <a:srcRect/>
-          <a:stretch>
-            <a:fillRect/>
-          </a:stretch>
-        </p:blipFill>
-        <p:spPr bwMode="auto">
-          <a:xfrm>
-            <a:off x="275573" y="200430"/>
-            <a:ext cx="8404964" cy="4518047"/>
-          </a:xfrm>
-          <a:prstGeom prst="rect">
-            <a:avLst/>
-          </a:prstGeom>
-          <a:noFill/>
-          <a:extLst>
-            <a:ext uri="{909E8E84-426E-40DD-AFC4-6F175D3DCCD1}">
-              <a14:hiddenFill xmlns:a14="http://schemas.microsoft.com/office/drawing/2010/main">
-                <a:solidFill>
-                  <a:srgbClr val="FFFFFF"/>
-                </a:solidFill>
-              </a14:hiddenFill>
-            </a:ext>
-          </a:extLst>
-        </p:spPr>
-      </p:pic>
-      <p:sp>
-        <p:nvSpPr>
-          <p:cNvPr id="14" name="Arrow: Right 13">
-            <a:extLst>
-              <a:ext uri="{FF2B5EF4-FFF2-40B4-BE49-F238E27FC236}">
-                <a16:creationId xmlns:a16="http://schemas.microsoft.com/office/drawing/2014/main" xmlns="" id="{796CEA44-310B-44B9-9452-370144CD966E}"/>
+                <a16:creationId xmlns:a16="http://schemas.microsoft.com/office/drawing/2014/main" xmlns="" id="{3DA45A66-D4A8-4EB2-93A8-FC3C8B14C89C}"/>
               </a:ext>
             </a:extLst>
           </p:cNvPr>
@@ -10617,459 +10481,208 @@
           <p:nvPr/>
         </p:nvSpPr>
         <p:spPr>
-          <a:xfrm rot="10800000">
-            <a:off x="4479925" y="2764364"/>
-            <a:ext cx="1102414" cy="606326"/>
-          </a:xfrm>
-          <a:prstGeom prst="rightArrow">
+          <a:xfrm>
+            <a:off x="322727" y="169277"/>
+            <a:ext cx="8384623" cy="584775"/>
+          </a:xfrm>
+          <a:prstGeom prst="rect">
             <a:avLst/>
           </a:prstGeom>
-          <a:solidFill>
-            <a:srgbClr val="FF0000"/>
-          </a:solidFill>
+          <a:noFill/>
+        </p:spPr>
+        <p:txBody>
+          <a:bodyPr wrap="square" lIns="91440" tIns="45720" rIns="91440" bIns="45720">
+            <a:spAutoFit/>
+          </a:bodyPr>
+          <a:lstStyle/>
+          <a:p>
+            <a:r>
+              <a:rPr lang="en-US" sz="3200" b="1" cap="none" spc="0" dirty="0" smtClean="0">
+                <a:ln w="12700">
+                  <a:solidFill>
+                    <a:schemeClr val="accent1"/>
+                  </a:solidFill>
+                  <a:prstDash val="solid"/>
+                </a:ln>
+                <a:solidFill>
+                  <a:srgbClr val="FFFF00"/>
+                </a:solidFill>
+                <a:effectLst>
+                  <a:outerShdw dist="38100" dir="2640000" algn="bl" rotWithShape="0">
+                    <a:schemeClr val="accent1"/>
+                  </a:outerShdw>
+                </a:effectLst>
+              </a:rPr>
+              <a:t>         </a:t>
+            </a:r>
+            <a:r>
+              <a:rPr lang="pt-BR" sz="3200" b="1" dirty="0">
+                <a:ln w="12700">
+                  <a:solidFill>
+                    <a:schemeClr val="accent1"/>
+                  </a:solidFill>
+                  <a:prstDash val="solid"/>
+                </a:ln>
+                <a:solidFill>
+                  <a:srgbClr val="FFFF00"/>
+                </a:solidFill>
+                <a:effectLst>
+                  <a:outerShdw dist="38100" dir="2640000" algn="bl" rotWithShape="0">
+                    <a:schemeClr val="accent1"/>
+                  </a:outerShdw>
+                </a:effectLst>
+              </a:rPr>
+              <a:t>HTML: a TAG </a:t>
+            </a:r>
+            <a:r>
+              <a:rPr lang="pt-BR" sz="3200" b="1" dirty="0" smtClean="0">
+                <a:ln w="12700">
+                  <a:solidFill>
+                    <a:schemeClr val="accent1"/>
+                  </a:solidFill>
+                  <a:prstDash val="solid"/>
+                </a:ln>
+                <a:solidFill>
+                  <a:srgbClr val="FFFF00"/>
+                </a:solidFill>
+                <a:effectLst>
+                  <a:outerShdw dist="38100" dir="2640000" algn="bl" rotWithShape="0">
+                    <a:schemeClr val="accent1"/>
+                  </a:outerShdw>
+                </a:effectLst>
+              </a:rPr>
+              <a:t>&lt;body&gt;</a:t>
+            </a:r>
+            <a:endParaRPr lang="en-US" sz="3200" b="1" cap="none" spc="0" dirty="0">
+              <a:ln w="12700">
+                <a:solidFill>
+                  <a:schemeClr val="accent1"/>
+                </a:solidFill>
+                <a:prstDash val="solid"/>
+              </a:ln>
+              <a:solidFill>
+                <a:srgbClr val="FFFF00"/>
+              </a:solidFill>
+              <a:effectLst>
+                <a:outerShdw dist="38100" dir="2640000" algn="bl" rotWithShape="0">
+                  <a:schemeClr val="accent1"/>
+                </a:outerShdw>
+              </a:effectLst>
+            </a:endParaRPr>
+          </a:p>
+        </p:txBody>
+      </p:sp>
+      <p:sp>
+        <p:nvSpPr>
+          <p:cNvPr id="30" name="Rectangle 9">
+            <a:extLst>
+              <a:ext uri="{FF2B5EF4-FFF2-40B4-BE49-F238E27FC236}">
+                <a16:creationId xmlns:a16="http://schemas.microsoft.com/office/drawing/2014/main" xmlns="" id="{9499FEB3-A12D-4674-A245-73F88ADCF513}"/>
+              </a:ext>
+            </a:extLst>
+          </p:cNvPr>
+          <p:cNvSpPr/>
+          <p:nvPr/>
+        </p:nvSpPr>
+        <p:spPr>
+          <a:xfrm>
+            <a:off x="322727" y="30777"/>
+            <a:ext cx="488644" cy="861774"/>
+          </a:xfrm>
+          <a:prstGeom prst="rect">
+            <a:avLst/>
+          </a:prstGeom>
+          <a:noFill/>
           <a:ln>
-            <a:solidFill>
-              <a:schemeClr val="tx1"/>
-            </a:solidFill>
+            <a:noFill/>
           </a:ln>
         </p:spPr>
         <p:style>
-          <a:lnRef idx="2">
-            <a:schemeClr val="accent1">
-              <a:shade val="50000"/>
-            </a:schemeClr>
+          <a:lnRef idx="0">
+            <a:scrgbClr r="0" g="0" b="0"/>
           </a:lnRef>
-          <a:fillRef idx="1">
-            <a:schemeClr val="accent1"/>
+          <a:fillRef idx="0">
+            <a:scrgbClr r="0" g="0" b="0"/>
           </a:fillRef>
           <a:effectRef idx="0">
-            <a:schemeClr val="accent1"/>
+            <a:scrgbClr r="0" g="0" b="0"/>
           </a:effectRef>
           <a:fontRef idx="minor">
             <a:schemeClr val="lt1"/>
           </a:fontRef>
         </p:style>
         <p:txBody>
-          <a:bodyPr rtlCol="0" anchor="ctr"/>
+          <a:bodyPr wrap="square" lIns="91440" tIns="45720" rIns="91440" bIns="45720">
+            <a:spAutoFit/>
+          </a:bodyPr>
           <a:lstStyle/>
           <a:p>
             <a:pPr algn="ctr"/>
-            <a:endParaRPr lang="pt-BR"/>
-          </a:p>
-        </p:txBody>
-      </p:sp>
-      <p:sp>
-        <p:nvSpPr>
-          <p:cNvPr id="16" name="Rectangle 15">
-            <a:extLst>
-              <a:ext uri="{FF2B5EF4-FFF2-40B4-BE49-F238E27FC236}">
-                <a16:creationId xmlns:a16="http://schemas.microsoft.com/office/drawing/2014/main" xmlns="" id="{72399C4C-7987-4F4F-BF13-12019EEF5EBF}"/>
-              </a:ext>
-            </a:extLst>
-          </p:cNvPr>
-          <p:cNvSpPr/>
+            <a:r>
+              <a:rPr lang="en-US" sz="5000" b="1" cap="none" spc="0" dirty="0" smtClean="0">
+                <a:ln w="6600">
+                  <a:solidFill>
+                    <a:schemeClr val="accent2"/>
+                  </a:solidFill>
+                  <a:prstDash val="solid"/>
+                </a:ln>
+                <a:solidFill>
+                  <a:srgbClr val="FFFFFF"/>
+                </a:solidFill>
+                <a:effectLst>
+                  <a:outerShdw dist="38100" dir="2700000" algn="tl" rotWithShape="0">
+                    <a:schemeClr val="accent2"/>
+                  </a:outerShdw>
+                </a:effectLst>
+              </a:rPr>
+              <a:t>8</a:t>
+            </a:r>
+            <a:endParaRPr lang="en-US" sz="5000" b="1" cap="none" spc="0" dirty="0">
+              <a:ln w="6600">
+                <a:solidFill>
+                  <a:schemeClr val="accent2"/>
+                </a:solidFill>
+                <a:prstDash val="solid"/>
+              </a:ln>
+              <a:solidFill>
+                <a:srgbClr val="FFFFFF"/>
+              </a:solidFill>
+              <a:effectLst>
+                <a:outerShdw dist="38100" dir="2700000" algn="tl" rotWithShape="0">
+                  <a:schemeClr val="accent2"/>
+                </a:outerShdw>
+              </a:effectLst>
+            </a:endParaRPr>
+          </a:p>
+        </p:txBody>
+      </p:sp>
+      <p:pic>
+        <p:nvPicPr>
+          <p:cNvPr id="2" name="Imagem 1"/>
+          <p:cNvPicPr>
+            <a:picLocks noChangeAspect="1"/>
+          </p:cNvPicPr>
           <p:nvPr/>
-        </p:nvSpPr>
-        <p:spPr>
-          <a:xfrm>
-            <a:off x="380932" y="1368426"/>
-            <a:ext cx="3894023" cy="2754600"/>
+        </p:nvPicPr>
+        <p:blipFill>
+          <a:blip r:embed="rId3"/>
+          <a:stretch>
+            <a:fillRect/>
+          </a:stretch>
+        </p:blipFill>
+        <p:spPr>
+          <a:xfrm>
+            <a:off x="460042" y="2267712"/>
+            <a:ext cx="8086417" cy="2040943"/>
           </a:xfrm>
           <a:prstGeom prst="rect">
             <a:avLst/>
           </a:prstGeom>
-          <a:solidFill>
-            <a:schemeClr val="tx2">
-              <a:lumMod val="50000"/>
-            </a:schemeClr>
-          </a:solidFill>
-        </p:spPr>
-        <p:style>
-          <a:lnRef idx="1">
-            <a:schemeClr val="dk1"/>
-          </a:lnRef>
-          <a:fillRef idx="3">
-            <a:schemeClr val="dk1"/>
-          </a:fillRef>
-          <a:effectRef idx="2">
-            <a:schemeClr val="dk1"/>
-          </a:effectRef>
-          <a:fontRef idx="minor">
-            <a:schemeClr val="lt1"/>
-          </a:fontRef>
-        </p:style>
-        <p:txBody>
-          <a:bodyPr wrap="square" lIns="91440" tIns="45720" rIns="91440" bIns="45720">
-            <a:spAutoFit/>
-          </a:bodyPr>
-          <a:lstStyle/>
-          <a:p>
-            <a:r>
-              <a:rPr lang="pt-BR" sz="2300" b="1" dirty="0">
-                <a:ln w="0"/>
-                <a:solidFill>
-                  <a:srgbClr val="FFFF00"/>
-                </a:solidFill>
-                <a:effectLst>
-                  <a:outerShdw blurRad="38100" dist="19050" dir="2700000" algn="tl" rotWithShape="0">
-                    <a:schemeClr val="dk1">
-                      <a:alpha val="40000"/>
-                    </a:schemeClr>
-                  </a:outerShdw>
-                </a:effectLst>
-              </a:rPr>
-              <a:t>Destaca-se</a:t>
-            </a:r>
-            <a:r>
-              <a:rPr lang="pt-BR" sz="2300" dirty="0">
-                <a:ln w="0"/>
-                <a:solidFill>
-                  <a:schemeClr val="bg1"/>
-                </a:solidFill>
-                <a:effectLst>
-                  <a:outerShdw blurRad="38100" dist="19050" dir="2700000" algn="tl" rotWithShape="0">
-                    <a:schemeClr val="dk1">
-                      <a:alpha val="40000"/>
-                    </a:schemeClr>
-                  </a:outerShdw>
-                </a:effectLst>
-              </a:rPr>
-              <a:t> como </a:t>
-            </a:r>
-            <a:r>
-              <a:rPr lang="pt-BR" sz="2300" b="1" dirty="0">
-                <a:ln w="0"/>
-                <a:solidFill>
-                  <a:srgbClr val="FFFF00"/>
-                </a:solidFill>
-                <a:effectLst>
-                  <a:outerShdw blurRad="38100" dist="19050" dir="2700000" algn="tl" rotWithShape="0">
-                    <a:schemeClr val="dk1">
-                      <a:alpha val="40000"/>
-                    </a:schemeClr>
-                  </a:outerShdw>
-                </a:effectLst>
-              </a:rPr>
-              <a:t>fonte</a:t>
-            </a:r>
-            <a:r>
-              <a:rPr lang="pt-BR" sz="2300" dirty="0">
-                <a:ln w="0"/>
-                <a:solidFill>
-                  <a:schemeClr val="bg1"/>
-                </a:solidFill>
-                <a:effectLst>
-                  <a:outerShdw blurRad="38100" dist="19050" dir="2700000" algn="tl" rotWithShape="0">
-                    <a:schemeClr val="dk1">
-                      <a:alpha val="40000"/>
-                    </a:schemeClr>
-                  </a:outerShdw>
-                </a:effectLst>
-              </a:rPr>
-              <a:t> de </a:t>
-            </a:r>
-            <a:r>
-              <a:rPr lang="pt-BR" sz="2300" b="1" dirty="0">
-                <a:ln w="0"/>
-                <a:solidFill>
-                  <a:srgbClr val="FFFF00"/>
-                </a:solidFill>
-                <a:effectLst>
-                  <a:outerShdw blurRad="38100" dist="19050" dir="2700000" algn="tl" rotWithShape="0">
-                    <a:schemeClr val="dk1">
-                      <a:alpha val="40000"/>
-                    </a:schemeClr>
-                  </a:outerShdw>
-                </a:effectLst>
-              </a:rPr>
-              <a:t>consulta</a:t>
-            </a:r>
-            <a:r>
-              <a:rPr lang="pt-BR" sz="2300" dirty="0">
-                <a:ln w="0"/>
-                <a:solidFill>
-                  <a:schemeClr val="bg1"/>
-                </a:solidFill>
-                <a:effectLst>
-                  <a:outerShdw blurRad="38100" dist="19050" dir="2700000" algn="tl" rotWithShape="0">
-                    <a:schemeClr val="dk1">
-                      <a:alpha val="40000"/>
-                    </a:schemeClr>
-                  </a:outerShdw>
-                </a:effectLst>
-              </a:rPr>
-              <a:t> para aprofundamento dos </a:t>
-            </a:r>
-            <a:r>
-              <a:rPr lang="pt-BR" sz="2300" b="1" dirty="0">
-                <a:ln w="0"/>
-                <a:solidFill>
-                  <a:srgbClr val="FFFF00"/>
-                </a:solidFill>
-                <a:effectLst>
-                  <a:outerShdw blurRad="38100" dist="19050" dir="2700000" algn="tl" rotWithShape="0">
-                    <a:schemeClr val="dk1">
-                      <a:alpha val="40000"/>
-                    </a:schemeClr>
-                  </a:outerShdw>
-                </a:effectLst>
-              </a:rPr>
-              <a:t>temas</a:t>
-            </a:r>
-            <a:r>
-              <a:rPr lang="pt-BR" sz="2300" dirty="0">
-                <a:ln w="0"/>
-                <a:solidFill>
-                  <a:schemeClr val="bg1"/>
-                </a:solidFill>
-                <a:effectLst>
-                  <a:outerShdw blurRad="38100" dist="19050" dir="2700000" algn="tl" rotWithShape="0">
-                    <a:schemeClr val="dk1">
-                      <a:alpha val="40000"/>
-                    </a:schemeClr>
-                  </a:outerShdw>
-                </a:effectLst>
-              </a:rPr>
-              <a:t> aqui </a:t>
-            </a:r>
-            <a:r>
-              <a:rPr lang="pt-BR" sz="2300" b="1" dirty="0">
-                <a:ln w="0"/>
-                <a:solidFill>
-                  <a:srgbClr val="FFFF00"/>
-                </a:solidFill>
-                <a:effectLst>
-                  <a:outerShdw blurRad="38100" dist="19050" dir="2700000" algn="tl" rotWithShape="0">
-                    <a:schemeClr val="dk1">
-                      <a:alpha val="40000"/>
-                    </a:schemeClr>
-                  </a:outerShdw>
-                </a:effectLst>
-              </a:rPr>
-              <a:t>citados</a:t>
-            </a:r>
-            <a:r>
-              <a:rPr lang="pt-BR" sz="2300" dirty="0">
-                <a:ln w="0"/>
-                <a:solidFill>
-                  <a:schemeClr val="bg1"/>
-                </a:solidFill>
-                <a:effectLst>
-                  <a:outerShdw blurRad="38100" dist="19050" dir="2700000" algn="tl" rotWithShape="0">
-                    <a:schemeClr val="dk1">
-                      <a:alpha val="40000"/>
-                    </a:schemeClr>
-                  </a:outerShdw>
-                </a:effectLst>
-              </a:rPr>
-              <a:t>:</a:t>
-            </a:r>
-          </a:p>
-          <a:p>
-            <a:r>
-              <a:rPr lang="pt-BR" sz="2300" dirty="0">
-                <a:ln w="0"/>
-                <a:solidFill>
-                  <a:schemeClr val="bg1"/>
-                </a:solidFill>
-                <a:effectLst>
-                  <a:outerShdw blurRad="38100" dist="19050" dir="2700000" algn="tl" rotWithShape="0">
-                    <a:schemeClr val="dk1">
-                      <a:alpha val="40000"/>
-                    </a:schemeClr>
-                  </a:outerShdw>
-                </a:effectLst>
-              </a:rPr>
-              <a:t>Tipo: </a:t>
-            </a:r>
-            <a:r>
-              <a:rPr lang="pt-BR" dirty="0">
-                <a:ln w="0"/>
-                <a:solidFill>
-                  <a:schemeClr val="bg1"/>
-                </a:solidFill>
-                <a:effectLst>
-                  <a:outerShdw blurRad="38100" dist="19050" dir="2700000" algn="tl" rotWithShape="0">
-                    <a:schemeClr val="dk1">
-                      <a:alpha val="40000"/>
-                    </a:schemeClr>
-                  </a:outerShdw>
-                </a:effectLst>
-              </a:rPr>
-              <a:t>Livro</a:t>
-            </a:r>
-          </a:p>
-          <a:p>
-            <a:r>
-              <a:rPr lang="pt-BR" sz="2300" dirty="0">
-                <a:ln w="0"/>
-                <a:solidFill>
-                  <a:schemeClr val="bg1"/>
-                </a:solidFill>
-                <a:effectLst>
-                  <a:outerShdw blurRad="38100" dist="19050" dir="2700000" algn="tl" rotWithShape="0">
-                    <a:schemeClr val="dk1">
-                      <a:alpha val="40000"/>
-                    </a:schemeClr>
-                  </a:outerShdw>
-                </a:effectLst>
-              </a:rPr>
-              <a:t>Autor: </a:t>
-            </a:r>
-            <a:r>
-              <a:rPr lang="pt-BR" dirty="0" smtClean="0"/>
-              <a:t>Alfredo Limonge</a:t>
-            </a:r>
-            <a:endParaRPr lang="pt-BR" dirty="0"/>
-          </a:p>
-          <a:p>
-            <a:endParaRPr lang="pt-BR" dirty="0">
-              <a:ln w="0"/>
-              <a:solidFill>
-                <a:schemeClr val="bg1"/>
-              </a:solidFill>
-              <a:effectLst>
-                <a:outerShdw blurRad="38100" dist="19050" dir="2700000" algn="tl" rotWithShape="0">
-                  <a:schemeClr val="dk1">
-                    <a:alpha val="40000"/>
-                  </a:schemeClr>
-                </a:outerShdw>
-              </a:effectLst>
-            </a:endParaRPr>
-          </a:p>
-          <a:p>
-            <a:r>
-              <a:rPr lang="pt-BR" sz="2000" dirty="0" smtClean="0">
-                <a:ln w="0"/>
-                <a:solidFill>
-                  <a:schemeClr val="bg1"/>
-                </a:solidFill>
-                <a:effectLst>
-                  <a:outerShdw blurRad="38100" dist="19050" dir="2700000" algn="tl" rotWithShape="0">
-                    <a:schemeClr val="dk1">
-                      <a:alpha val="40000"/>
-                    </a:schemeClr>
-                  </a:outerShdw>
-                </a:effectLst>
-              </a:rPr>
-              <a:t>https</a:t>
-            </a:r>
-            <a:r>
-              <a:rPr lang="pt-BR" sz="2000" dirty="0">
-                <a:ln w="0"/>
-                <a:solidFill>
-                  <a:schemeClr val="bg1"/>
-                </a:solidFill>
-                <a:effectLst>
-                  <a:outerShdw blurRad="38100" dist="19050" dir="2700000" algn="tl" rotWithShape="0">
-                    <a:schemeClr val="dk1">
-                      <a:alpha val="40000"/>
-                    </a:schemeClr>
-                  </a:outerShdw>
-                </a:effectLst>
-              </a:rPr>
-              <a:t>://www.pdfdrive.com/html-a-partir-do-zero-e196386751.html</a:t>
-            </a:r>
-          </a:p>
-        </p:txBody>
-      </p:sp>
-      <p:sp>
-        <p:nvSpPr>
-          <p:cNvPr id="17" name="Rectangle 16">
-            <a:extLst>
-              <a:ext uri="{FF2B5EF4-FFF2-40B4-BE49-F238E27FC236}">
-                <a16:creationId xmlns:a16="http://schemas.microsoft.com/office/drawing/2014/main" xmlns="" id="{365AE4A4-3D2B-4335-A164-ADCAADEDC3D3}"/>
-              </a:ext>
-            </a:extLst>
-          </p:cNvPr>
-          <p:cNvSpPr/>
-          <p:nvPr/>
-        </p:nvSpPr>
-        <p:spPr>
-          <a:xfrm>
-            <a:off x="380931" y="4269422"/>
-            <a:ext cx="7743565" cy="446276"/>
-          </a:xfrm>
-          <a:prstGeom prst="rect">
-            <a:avLst/>
-          </a:prstGeom>
-          <a:solidFill>
-            <a:schemeClr val="tx2">
-              <a:lumMod val="50000"/>
-            </a:schemeClr>
-          </a:solidFill>
-        </p:spPr>
-        <p:style>
-          <a:lnRef idx="1">
-            <a:schemeClr val="dk1"/>
-          </a:lnRef>
-          <a:fillRef idx="3">
-            <a:schemeClr val="dk1"/>
-          </a:fillRef>
-          <a:effectRef idx="2">
-            <a:schemeClr val="dk1"/>
-          </a:effectRef>
-          <a:fontRef idx="minor">
-            <a:schemeClr val="lt1"/>
-          </a:fontRef>
-        </p:style>
-        <p:txBody>
-          <a:bodyPr wrap="square" lIns="91440" tIns="45720" rIns="91440" bIns="45720">
-            <a:spAutoFit/>
-          </a:bodyPr>
-          <a:lstStyle/>
-          <a:p>
-            <a:r>
-              <a:rPr lang="pt-BR" sz="2300" dirty="0">
-                <a:ln w="0"/>
-                <a:solidFill>
-                  <a:schemeClr val="bg1"/>
-                </a:solidFill>
-                <a:effectLst>
-                  <a:outerShdw blurRad="38100" dist="19050" dir="2700000" algn="tl" rotWithShape="0">
-                    <a:schemeClr val="dk1">
-                      <a:alpha val="40000"/>
-                    </a:schemeClr>
-                  </a:outerShdw>
-                </a:effectLst>
-              </a:rPr>
-              <a:t>Nome: </a:t>
-            </a:r>
-            <a:r>
-              <a:rPr lang="pt-BR" sz="1600" b="1" dirty="0" smtClean="0">
-                <a:ln w="0"/>
-                <a:solidFill>
-                  <a:srgbClr val="FFFF00"/>
-                </a:solidFill>
-                <a:effectLst>
-                  <a:outerShdw blurRad="38100" dist="19050" dir="2700000" algn="tl" rotWithShape="0">
-                    <a:schemeClr val="dk1">
-                      <a:alpha val="40000"/>
-                    </a:schemeClr>
-                  </a:outerShdw>
-                </a:effectLst>
-              </a:rPr>
-              <a:t>GUIA COMPLETO PARA INICIANTES</a:t>
-            </a:r>
-            <a:endParaRPr lang="pt-BR" sz="1600" b="1" dirty="0">
-              <a:ln w="0"/>
-              <a:solidFill>
-                <a:srgbClr val="FFFF00"/>
-              </a:solidFill>
-              <a:effectLst>
-                <a:outerShdw blurRad="38100" dist="19050" dir="2700000" algn="tl" rotWithShape="0">
-                  <a:schemeClr val="dk1">
-                    <a:alpha val="40000"/>
-                  </a:schemeClr>
-                </a:outerShdw>
-              </a:effectLst>
-            </a:endParaRPr>
-          </a:p>
-        </p:txBody>
-      </p:sp>
+        </p:spPr>
+      </p:pic>
       <p:pic>
         <p:nvPicPr>
-          <p:cNvPr id="2" name="Picture 2" descr="HTML a partir do zero"/>
+          <p:cNvPr id="34" name="Picture 2" descr="Criação de Web Sites I"/>
           <p:cNvPicPr>
             <a:picLocks noChangeAspect="1" noChangeArrowheads="1"/>
           </p:cNvPicPr>
@@ -11090,8 +10703,8 @@
         </p:blipFill>
         <p:spPr bwMode="auto">
           <a:xfrm>
-            <a:off x="6282478" y="1146283"/>
-            <a:ext cx="2209800" cy="3048001"/>
+            <a:off x="6570765" y="334734"/>
+            <a:ext cx="1975694" cy="2207844"/>
           </a:xfrm>
           <a:prstGeom prst="rect">
             <a:avLst/>
@@ -11110,101 +10723,107 @@
       </p:pic>
       <p:sp>
         <p:nvSpPr>
-          <p:cNvPr id="8" name="Rectangle 11">
-            <a:extLst>
-              <a:ext uri="{FF2B5EF4-FFF2-40B4-BE49-F238E27FC236}">
-                <a16:creationId xmlns:a16="http://schemas.microsoft.com/office/drawing/2014/main" xmlns="" id="{3DA45A66-D4A8-4EB2-93A8-FC3C8B14C89C}"/>
-              </a:ext>
-            </a:extLst>
-          </p:cNvPr>
+          <p:cNvPr id="3" name="Retângulo 2"/>
           <p:cNvSpPr/>
           <p:nvPr/>
         </p:nvSpPr>
         <p:spPr>
           <a:xfrm>
-            <a:off x="289820" y="169277"/>
-            <a:ext cx="8384623" cy="707886"/>
+            <a:off x="3584449" y="4328160"/>
+            <a:ext cx="1487424" cy="398090"/>
           </a:xfrm>
           <a:prstGeom prst="rect">
             <a:avLst/>
           </a:prstGeom>
-          <a:noFill/>
-          <a:effectLst>
-            <a:outerShdw blurRad="50800" dist="38100" dir="2700000" algn="tl" rotWithShape="0">
-              <a:prstClr val="black">
-                <a:alpha val="40000"/>
-              </a:prstClr>
-            </a:outerShdw>
-          </a:effectLst>
-        </p:spPr>
-        <p:txBody>
-          <a:bodyPr wrap="square" lIns="91440" tIns="45720" rIns="91440" bIns="45720">
-            <a:spAutoFit/>
-          </a:bodyPr>
+        </p:spPr>
+        <p:style>
+          <a:lnRef idx="2">
+            <a:schemeClr val="accent6"/>
+          </a:lnRef>
+          <a:fillRef idx="1">
+            <a:schemeClr val="lt1"/>
+          </a:fillRef>
+          <a:effectRef idx="0">
+            <a:schemeClr val="accent6"/>
+          </a:effectRef>
+          <a:fontRef idx="minor">
+            <a:schemeClr val="dk1"/>
+          </a:fontRef>
+        </p:style>
+        <p:txBody>
+          <a:bodyPr rtlCol="0" anchor="ctr"/>
           <a:lstStyle/>
           <a:p>
             <a:pPr algn="ctr"/>
             <a:r>
-              <a:rPr lang="pt-BR" sz="4000" b="1" dirty="0" smtClean="0">
-                <a:ln w="12700">
-                  <a:solidFill>
-                    <a:schemeClr val="accent1"/>
-                  </a:solidFill>
-                  <a:prstDash val="solid"/>
-                </a:ln>
-                <a:solidFill>
-                  <a:srgbClr val="FFFF00"/>
-                </a:solidFill>
-                <a:effectLst>
-                  <a:outerShdw dist="38100" dir="2640000" algn="bl" rotWithShape="0">
-                    <a:schemeClr val="accent1"/>
-                  </a:outerShdw>
-                </a:effectLst>
-              </a:rPr>
-              <a:t>Destaca-se </a:t>
-            </a:r>
-            <a:r>
-              <a:rPr lang="pt-BR" sz="4000" b="1" dirty="0">
-                <a:ln w="12700">
-                  <a:solidFill>
-                    <a:schemeClr val="accent1"/>
-                  </a:solidFill>
-                  <a:prstDash val="solid"/>
-                </a:ln>
-                <a:solidFill>
-                  <a:srgbClr val="FFFF00"/>
-                </a:solidFill>
-                <a:effectLst>
-                  <a:outerShdw dist="38100" dir="2640000" algn="bl" rotWithShape="0">
-                    <a:schemeClr val="accent1"/>
-                  </a:outerShdw>
-                </a:effectLst>
-              </a:rPr>
-              <a:t>como fonte de consulta</a:t>
-            </a:r>
-            <a:endParaRPr lang="en-US" sz="4000" b="1" cap="none" spc="0" dirty="0">
-              <a:ln w="12700">
-                <a:solidFill>
-                  <a:schemeClr val="accent1"/>
-                </a:solidFill>
-                <a:prstDash val="solid"/>
-              </a:ln>
-              <a:solidFill>
-                <a:srgbClr val="FFFF00"/>
-              </a:solidFill>
-              <a:effectLst>
-                <a:outerShdw dist="38100" dir="2640000" algn="bl" rotWithShape="0">
-                  <a:schemeClr val="accent1"/>
-                </a:outerShdw>
-              </a:effectLst>
-            </a:endParaRPr>
+              <a:rPr lang="pt-BR" dirty="0" smtClean="0"/>
+              <a:t>Página - 33</a:t>
+            </a:r>
+            <a:endParaRPr lang="pt-BR" dirty="0"/>
+          </a:p>
+        </p:txBody>
+      </p:sp>
+      <p:sp>
+        <p:nvSpPr>
+          <p:cNvPr id="38" name="Retângulo 37"/>
+          <p:cNvSpPr/>
+          <p:nvPr/>
+        </p:nvSpPr>
+        <p:spPr>
+          <a:xfrm>
+            <a:off x="460042" y="912056"/>
+            <a:ext cx="4180525" cy="526600"/>
+          </a:xfrm>
+          <a:prstGeom prst="rect">
+            <a:avLst/>
+          </a:prstGeom>
+          <a:solidFill>
+            <a:srgbClr val="00B050"/>
+          </a:solidFill>
+        </p:spPr>
+        <p:style>
+          <a:lnRef idx="2">
+            <a:schemeClr val="accent6">
+              <a:shade val="50000"/>
+            </a:schemeClr>
+          </a:lnRef>
+          <a:fillRef idx="1">
+            <a:schemeClr val="accent6"/>
+          </a:fillRef>
+          <a:effectRef idx="0">
+            <a:schemeClr val="accent6"/>
+          </a:effectRef>
+          <a:fontRef idx="minor">
+            <a:schemeClr val="lt1"/>
+          </a:fontRef>
+        </p:style>
+        <p:txBody>
+          <a:bodyPr rtlCol="0" anchor="ctr"/>
+          <a:lstStyle/>
+          <a:p>
+            <a:r>
+              <a:rPr lang="pt-BR" sz="3200" dirty="0">
+                <a:ln w="0"/>
+                <a:solidFill>
+                  <a:schemeClr val="bg1"/>
+                </a:solidFill>
+                <a:effectLst>
+                  <a:outerShdw blurRad="38100" dist="19050" dir="2700000" algn="tl" rotWithShape="0">
+                    <a:schemeClr val="dk1">
+                      <a:alpha val="40000"/>
+                    </a:schemeClr>
+                  </a:outerShdw>
+                </a:effectLst>
+              </a:rPr>
+              <a:t>Definição do livro:</a:t>
+            </a:r>
           </a:p>
         </p:txBody>
       </p:sp>
     </p:spTree>
     <p:extLst>
       <p:ext uri="{BB962C8B-B14F-4D97-AF65-F5344CB8AC3E}">
-        <p14:creationId xmlns:p14="http://schemas.microsoft.com/office/powerpoint/2010/main" val="2168877199"/>
+        <p14:creationId xmlns:p14="http://schemas.microsoft.com/office/powerpoint/2010/main" val="3908907409"/>
       </p:ext>
     </p:extLst>
   </p:cSld>
@@ -11350,7 +10969,7 @@
         <p:spPr>
           <a:xfrm>
             <a:off x="380932" y="1368426"/>
-            <a:ext cx="3894023" cy="2693045"/>
+            <a:ext cx="3894023" cy="2754600"/>
           </a:xfrm>
           <a:prstGeom prst="rect">
             <a:avLst/>
@@ -11595,17 +11214,11 @@
             </a:r>
             <a:r>
               <a:rPr lang="pt-BR" dirty="0" smtClean="0"/>
-              <a:t>Helder da Rocha</a:t>
+              <a:t>Alfredo Limonge</a:t>
             </a:r>
             <a:endParaRPr lang="pt-BR" dirty="0"/>
           </a:p>
           <a:p>
-            <a:r>
-              <a:rPr lang="pt-BR" dirty="0">
-                <a:hlinkClick r:id="rId4"/>
-              </a:rPr>
-              <a:t>https://www.pdfdrive.com/cria%C3%A7%C3%A3o-de-web-sites-i-e41463499.html</a:t>
-            </a:r>
             <a:endParaRPr lang="pt-BR" dirty="0">
               <a:ln w="0"/>
               <a:solidFill>
@@ -11619,6 +11232,40 @@
                 </a:outerShdw>
               </a:effectLst>
             </a:endParaRPr>
+          </a:p>
+          <a:p>
+            <a:r>
+              <a:rPr lang="pt-BR" sz="2000" dirty="0" smtClean="0">
+                <a:ln w="0"/>
+                <a:solidFill>
+                  <a:schemeClr val="bg1"/>
+                </a:solidFill>
+                <a:effectLst>
+                  <a:outerShdw blurRad="38100" dist="19050" dir="2700000" algn="tl" rotWithShape="0">
+                    <a:schemeClr val="dk1">
+                      <a:alpha val="40000"/>
+                    </a:schemeClr>
+                  </a:outerShdw>
+                </a:effectLst>
+              </a:rPr>
+              <a:t>https</a:t>
+            </a:r>
+            <a:r>
+              <a:rPr lang="pt-BR" sz="2000" dirty="0">
+                <a:ln w="0"/>
+                <a:solidFill>
+                  <a:schemeClr val="bg1"/>
+                </a:solidFill>
+                <a:effectLst>
+                  <a:outerShdw blurRad="38100" dist="19050" dir="2700000" algn="tl" rotWithShape="0">
+                    <a:schemeClr val="dk1">
+                      <a:alpha val="40000"/>
+                    </a:schemeClr>
+                  </a:outerShdw>
+                </a:effectLst>
+              </a:rPr>
+              <a:t>://www.pdfdrive.com/html-a-partir-do-zero-e196386751.html</a:t>
+            </a:r>
           </a:p>
         </p:txBody>
       </p:sp>
@@ -11698,7 +11345,7 @@
                   </a:outerShdw>
                 </a:effectLst>
               </a:rPr>
-              <a:t>CRIAÇÃO DE WEB SITES</a:t>
+              <a:t>GUIA COMPLETO PARA INICIANTES</a:t>
             </a:r>
             <a:endParaRPr lang="pt-BR" sz="1600" b="1" dirty="0">
               <a:ln w="0"/>
@@ -11718,14 +11365,14 @@
       </p:sp>
       <p:pic>
         <p:nvPicPr>
-          <p:cNvPr id="2050" name="Picture 2" descr="Criação de Web Sites I"/>
+          <p:cNvPr id="2" name="Picture 2" descr="HTML a partir do zero"/>
           <p:cNvPicPr>
             <a:picLocks noChangeAspect="1" noChangeArrowheads="1"/>
           </p:cNvPicPr>
           <p:nvPr/>
         </p:nvPicPr>
         <p:blipFill>
-          <a:blip r:embed="rId5">
+          <a:blip r:embed="rId4">
             <a:extLst>
               <a:ext uri="{28A0092B-C50C-407E-A947-70E740481C1C}">
                 <a14:useLocalDpi xmlns:a14="http://schemas.microsoft.com/office/drawing/2010/main" val="0"/>
@@ -11739,7 +11386,7 @@
         </p:blipFill>
         <p:spPr bwMode="auto">
           <a:xfrm>
-            <a:off x="6311792" y="1085114"/>
+            <a:off x="6282478" y="1146283"/>
             <a:ext cx="2209800" cy="3048001"/>
           </a:xfrm>
           <a:prstGeom prst="rect">
@@ -11853,7 +11500,7 @@
     </p:spTree>
     <p:extLst>
       <p:ext uri="{BB962C8B-B14F-4D97-AF65-F5344CB8AC3E}">
-        <p14:creationId xmlns:p14="http://schemas.microsoft.com/office/powerpoint/2010/main" val="3747784531"/>
+        <p14:creationId xmlns:p14="http://schemas.microsoft.com/office/powerpoint/2010/main" val="2168877199"/>
       </p:ext>
     </p:extLst>
   </p:cSld>
@@ -11944,8 +11591,8 @@
         </p:nvSpPr>
         <p:spPr>
           <a:xfrm rot="10800000">
-            <a:off x="6588202" y="2866438"/>
-            <a:ext cx="620113" cy="606326"/>
+            <a:off x="4479925" y="2764364"/>
+            <a:ext cx="1102414" cy="606326"/>
           </a:xfrm>
           <a:prstGeom prst="rightArrow">
             <a:avLst/>
@@ -11998,6 +11645,655 @@
         </p:nvSpPr>
         <p:spPr>
           <a:xfrm>
+            <a:off x="380932" y="1368426"/>
+            <a:ext cx="3894023" cy="2693045"/>
+          </a:xfrm>
+          <a:prstGeom prst="rect">
+            <a:avLst/>
+          </a:prstGeom>
+          <a:solidFill>
+            <a:schemeClr val="tx2">
+              <a:lumMod val="50000"/>
+            </a:schemeClr>
+          </a:solidFill>
+        </p:spPr>
+        <p:style>
+          <a:lnRef idx="1">
+            <a:schemeClr val="dk1"/>
+          </a:lnRef>
+          <a:fillRef idx="3">
+            <a:schemeClr val="dk1"/>
+          </a:fillRef>
+          <a:effectRef idx="2">
+            <a:schemeClr val="dk1"/>
+          </a:effectRef>
+          <a:fontRef idx="minor">
+            <a:schemeClr val="lt1"/>
+          </a:fontRef>
+        </p:style>
+        <p:txBody>
+          <a:bodyPr wrap="square" lIns="91440" tIns="45720" rIns="91440" bIns="45720">
+            <a:spAutoFit/>
+          </a:bodyPr>
+          <a:lstStyle/>
+          <a:p>
+            <a:r>
+              <a:rPr lang="pt-BR" sz="2300" b="1" dirty="0">
+                <a:ln w="0"/>
+                <a:solidFill>
+                  <a:srgbClr val="FFFF00"/>
+                </a:solidFill>
+                <a:effectLst>
+                  <a:outerShdw blurRad="38100" dist="19050" dir="2700000" algn="tl" rotWithShape="0">
+                    <a:schemeClr val="dk1">
+                      <a:alpha val="40000"/>
+                    </a:schemeClr>
+                  </a:outerShdw>
+                </a:effectLst>
+              </a:rPr>
+              <a:t>Destaca-se</a:t>
+            </a:r>
+            <a:r>
+              <a:rPr lang="pt-BR" sz="2300" dirty="0">
+                <a:ln w="0"/>
+                <a:solidFill>
+                  <a:schemeClr val="bg1"/>
+                </a:solidFill>
+                <a:effectLst>
+                  <a:outerShdw blurRad="38100" dist="19050" dir="2700000" algn="tl" rotWithShape="0">
+                    <a:schemeClr val="dk1">
+                      <a:alpha val="40000"/>
+                    </a:schemeClr>
+                  </a:outerShdw>
+                </a:effectLst>
+              </a:rPr>
+              <a:t> como </a:t>
+            </a:r>
+            <a:r>
+              <a:rPr lang="pt-BR" sz="2300" b="1" dirty="0">
+                <a:ln w="0"/>
+                <a:solidFill>
+                  <a:srgbClr val="FFFF00"/>
+                </a:solidFill>
+                <a:effectLst>
+                  <a:outerShdw blurRad="38100" dist="19050" dir="2700000" algn="tl" rotWithShape="0">
+                    <a:schemeClr val="dk1">
+                      <a:alpha val="40000"/>
+                    </a:schemeClr>
+                  </a:outerShdw>
+                </a:effectLst>
+              </a:rPr>
+              <a:t>fonte</a:t>
+            </a:r>
+            <a:r>
+              <a:rPr lang="pt-BR" sz="2300" dirty="0">
+                <a:ln w="0"/>
+                <a:solidFill>
+                  <a:schemeClr val="bg1"/>
+                </a:solidFill>
+                <a:effectLst>
+                  <a:outerShdw blurRad="38100" dist="19050" dir="2700000" algn="tl" rotWithShape="0">
+                    <a:schemeClr val="dk1">
+                      <a:alpha val="40000"/>
+                    </a:schemeClr>
+                  </a:outerShdw>
+                </a:effectLst>
+              </a:rPr>
+              <a:t> de </a:t>
+            </a:r>
+            <a:r>
+              <a:rPr lang="pt-BR" sz="2300" b="1" dirty="0">
+                <a:ln w="0"/>
+                <a:solidFill>
+                  <a:srgbClr val="FFFF00"/>
+                </a:solidFill>
+                <a:effectLst>
+                  <a:outerShdw blurRad="38100" dist="19050" dir="2700000" algn="tl" rotWithShape="0">
+                    <a:schemeClr val="dk1">
+                      <a:alpha val="40000"/>
+                    </a:schemeClr>
+                  </a:outerShdw>
+                </a:effectLst>
+              </a:rPr>
+              <a:t>consulta</a:t>
+            </a:r>
+            <a:r>
+              <a:rPr lang="pt-BR" sz="2300" dirty="0">
+                <a:ln w="0"/>
+                <a:solidFill>
+                  <a:schemeClr val="bg1"/>
+                </a:solidFill>
+                <a:effectLst>
+                  <a:outerShdw blurRad="38100" dist="19050" dir="2700000" algn="tl" rotWithShape="0">
+                    <a:schemeClr val="dk1">
+                      <a:alpha val="40000"/>
+                    </a:schemeClr>
+                  </a:outerShdw>
+                </a:effectLst>
+              </a:rPr>
+              <a:t> para aprofundamento dos </a:t>
+            </a:r>
+            <a:r>
+              <a:rPr lang="pt-BR" sz="2300" b="1" dirty="0">
+                <a:ln w="0"/>
+                <a:solidFill>
+                  <a:srgbClr val="FFFF00"/>
+                </a:solidFill>
+                <a:effectLst>
+                  <a:outerShdw blurRad="38100" dist="19050" dir="2700000" algn="tl" rotWithShape="0">
+                    <a:schemeClr val="dk1">
+                      <a:alpha val="40000"/>
+                    </a:schemeClr>
+                  </a:outerShdw>
+                </a:effectLst>
+              </a:rPr>
+              <a:t>temas</a:t>
+            </a:r>
+            <a:r>
+              <a:rPr lang="pt-BR" sz="2300" dirty="0">
+                <a:ln w="0"/>
+                <a:solidFill>
+                  <a:schemeClr val="bg1"/>
+                </a:solidFill>
+                <a:effectLst>
+                  <a:outerShdw blurRad="38100" dist="19050" dir="2700000" algn="tl" rotWithShape="0">
+                    <a:schemeClr val="dk1">
+                      <a:alpha val="40000"/>
+                    </a:schemeClr>
+                  </a:outerShdw>
+                </a:effectLst>
+              </a:rPr>
+              <a:t> aqui </a:t>
+            </a:r>
+            <a:r>
+              <a:rPr lang="pt-BR" sz="2300" b="1" dirty="0">
+                <a:ln w="0"/>
+                <a:solidFill>
+                  <a:srgbClr val="FFFF00"/>
+                </a:solidFill>
+                <a:effectLst>
+                  <a:outerShdw blurRad="38100" dist="19050" dir="2700000" algn="tl" rotWithShape="0">
+                    <a:schemeClr val="dk1">
+                      <a:alpha val="40000"/>
+                    </a:schemeClr>
+                  </a:outerShdw>
+                </a:effectLst>
+              </a:rPr>
+              <a:t>citados</a:t>
+            </a:r>
+            <a:r>
+              <a:rPr lang="pt-BR" sz="2300" dirty="0">
+                <a:ln w="0"/>
+                <a:solidFill>
+                  <a:schemeClr val="bg1"/>
+                </a:solidFill>
+                <a:effectLst>
+                  <a:outerShdw blurRad="38100" dist="19050" dir="2700000" algn="tl" rotWithShape="0">
+                    <a:schemeClr val="dk1">
+                      <a:alpha val="40000"/>
+                    </a:schemeClr>
+                  </a:outerShdw>
+                </a:effectLst>
+              </a:rPr>
+              <a:t>:</a:t>
+            </a:r>
+          </a:p>
+          <a:p>
+            <a:r>
+              <a:rPr lang="pt-BR" sz="2300" dirty="0">
+                <a:ln w="0"/>
+                <a:solidFill>
+                  <a:schemeClr val="bg1"/>
+                </a:solidFill>
+                <a:effectLst>
+                  <a:outerShdw blurRad="38100" dist="19050" dir="2700000" algn="tl" rotWithShape="0">
+                    <a:schemeClr val="dk1">
+                      <a:alpha val="40000"/>
+                    </a:schemeClr>
+                  </a:outerShdw>
+                </a:effectLst>
+              </a:rPr>
+              <a:t>Tipo: </a:t>
+            </a:r>
+            <a:r>
+              <a:rPr lang="pt-BR" dirty="0">
+                <a:ln w="0"/>
+                <a:solidFill>
+                  <a:schemeClr val="bg1"/>
+                </a:solidFill>
+                <a:effectLst>
+                  <a:outerShdw blurRad="38100" dist="19050" dir="2700000" algn="tl" rotWithShape="0">
+                    <a:schemeClr val="dk1">
+                      <a:alpha val="40000"/>
+                    </a:schemeClr>
+                  </a:outerShdw>
+                </a:effectLst>
+              </a:rPr>
+              <a:t>Livro</a:t>
+            </a:r>
+          </a:p>
+          <a:p>
+            <a:r>
+              <a:rPr lang="pt-BR" sz="2300" dirty="0">
+                <a:ln w="0"/>
+                <a:solidFill>
+                  <a:schemeClr val="bg1"/>
+                </a:solidFill>
+                <a:effectLst>
+                  <a:outerShdw blurRad="38100" dist="19050" dir="2700000" algn="tl" rotWithShape="0">
+                    <a:schemeClr val="dk1">
+                      <a:alpha val="40000"/>
+                    </a:schemeClr>
+                  </a:outerShdw>
+                </a:effectLst>
+              </a:rPr>
+              <a:t>Autor: </a:t>
+            </a:r>
+            <a:r>
+              <a:rPr lang="pt-BR" dirty="0" smtClean="0"/>
+              <a:t>Helder da Rocha</a:t>
+            </a:r>
+            <a:endParaRPr lang="pt-BR" dirty="0"/>
+          </a:p>
+          <a:p>
+            <a:r>
+              <a:rPr lang="pt-BR" dirty="0">
+                <a:hlinkClick r:id="rId4"/>
+              </a:rPr>
+              <a:t>https://www.pdfdrive.com/cria%C3%A7%C3%A3o-de-web-sites-i-e41463499.html</a:t>
+            </a:r>
+            <a:endParaRPr lang="pt-BR" dirty="0">
+              <a:ln w="0"/>
+              <a:solidFill>
+                <a:schemeClr val="bg1"/>
+              </a:solidFill>
+              <a:effectLst>
+                <a:outerShdw blurRad="38100" dist="19050" dir="2700000" algn="tl" rotWithShape="0">
+                  <a:schemeClr val="dk1">
+                    <a:alpha val="40000"/>
+                  </a:schemeClr>
+                </a:outerShdw>
+              </a:effectLst>
+            </a:endParaRPr>
+          </a:p>
+        </p:txBody>
+      </p:sp>
+      <p:sp>
+        <p:nvSpPr>
+          <p:cNvPr id="17" name="Rectangle 16">
+            <a:extLst>
+              <a:ext uri="{FF2B5EF4-FFF2-40B4-BE49-F238E27FC236}">
+                <a16:creationId xmlns:a16="http://schemas.microsoft.com/office/drawing/2014/main" xmlns="" id="{365AE4A4-3D2B-4335-A164-ADCAADEDC3D3}"/>
+              </a:ext>
+            </a:extLst>
+          </p:cNvPr>
+          <p:cNvSpPr/>
+          <p:nvPr/>
+        </p:nvSpPr>
+        <p:spPr>
+          <a:xfrm>
+            <a:off x="380931" y="4269422"/>
+            <a:ext cx="7743565" cy="446276"/>
+          </a:xfrm>
+          <a:prstGeom prst="rect">
+            <a:avLst/>
+          </a:prstGeom>
+          <a:solidFill>
+            <a:schemeClr val="tx2">
+              <a:lumMod val="50000"/>
+            </a:schemeClr>
+          </a:solidFill>
+        </p:spPr>
+        <p:style>
+          <a:lnRef idx="1">
+            <a:schemeClr val="dk1"/>
+          </a:lnRef>
+          <a:fillRef idx="3">
+            <a:schemeClr val="dk1"/>
+          </a:fillRef>
+          <a:effectRef idx="2">
+            <a:schemeClr val="dk1"/>
+          </a:effectRef>
+          <a:fontRef idx="minor">
+            <a:schemeClr val="lt1"/>
+          </a:fontRef>
+        </p:style>
+        <p:txBody>
+          <a:bodyPr wrap="square" lIns="91440" tIns="45720" rIns="91440" bIns="45720">
+            <a:spAutoFit/>
+          </a:bodyPr>
+          <a:lstStyle/>
+          <a:p>
+            <a:r>
+              <a:rPr lang="pt-BR" sz="2300" dirty="0">
+                <a:ln w="0"/>
+                <a:solidFill>
+                  <a:schemeClr val="bg1"/>
+                </a:solidFill>
+                <a:effectLst>
+                  <a:outerShdw blurRad="38100" dist="19050" dir="2700000" algn="tl" rotWithShape="0">
+                    <a:schemeClr val="dk1">
+                      <a:alpha val="40000"/>
+                    </a:schemeClr>
+                  </a:outerShdw>
+                </a:effectLst>
+              </a:rPr>
+              <a:t>Nome: </a:t>
+            </a:r>
+            <a:r>
+              <a:rPr lang="pt-BR" sz="1600" b="1" dirty="0" smtClean="0">
+                <a:ln w="0"/>
+                <a:solidFill>
+                  <a:srgbClr val="FFFF00"/>
+                </a:solidFill>
+                <a:effectLst>
+                  <a:outerShdw blurRad="38100" dist="19050" dir="2700000" algn="tl" rotWithShape="0">
+                    <a:schemeClr val="dk1">
+                      <a:alpha val="40000"/>
+                    </a:schemeClr>
+                  </a:outerShdw>
+                </a:effectLst>
+              </a:rPr>
+              <a:t>CRIAÇÃO DE WEB SITES</a:t>
+            </a:r>
+            <a:endParaRPr lang="pt-BR" sz="1600" b="1" dirty="0">
+              <a:ln w="0"/>
+              <a:solidFill>
+                <a:srgbClr val="FFFF00"/>
+              </a:solidFill>
+              <a:effectLst>
+                <a:outerShdw blurRad="38100" dist="19050" dir="2700000" algn="tl" rotWithShape="0">
+                  <a:schemeClr val="dk1">
+                    <a:alpha val="40000"/>
+                  </a:schemeClr>
+                </a:outerShdw>
+              </a:effectLst>
+            </a:endParaRPr>
+          </a:p>
+        </p:txBody>
+      </p:sp>
+      <p:pic>
+        <p:nvPicPr>
+          <p:cNvPr id="2050" name="Picture 2" descr="Criação de Web Sites I"/>
+          <p:cNvPicPr>
+            <a:picLocks noChangeAspect="1" noChangeArrowheads="1"/>
+          </p:cNvPicPr>
+          <p:nvPr/>
+        </p:nvPicPr>
+        <p:blipFill>
+          <a:blip r:embed="rId5">
+            <a:extLst>
+              <a:ext uri="{28A0092B-C50C-407E-A947-70E740481C1C}">
+                <a14:useLocalDpi xmlns:a14="http://schemas.microsoft.com/office/drawing/2010/main" val="0"/>
+              </a:ext>
+            </a:extLst>
+          </a:blip>
+          <a:srcRect/>
+          <a:stretch>
+            <a:fillRect/>
+          </a:stretch>
+        </p:blipFill>
+        <p:spPr bwMode="auto">
+          <a:xfrm>
+            <a:off x="6311792" y="1085114"/>
+            <a:ext cx="2209800" cy="3048001"/>
+          </a:xfrm>
+          <a:prstGeom prst="rect">
+            <a:avLst/>
+          </a:prstGeom>
+          <a:noFill/>
+          <a:extLst>
+            <a:ext uri="{909E8E84-426E-40DD-AFC4-6F175D3DCCD1}">
+              <a14:hiddenFill xmlns:a14="http://schemas.microsoft.com/office/drawing/2010/main">
+                <a:solidFill>
+                  <a:srgbClr val="FFFFFF"/>
+                </a:solidFill>
+              </a14:hiddenFill>
+            </a:ext>
+          </a:extLst>
+        </p:spPr>
+      </p:pic>
+      <p:sp>
+        <p:nvSpPr>
+          <p:cNvPr id="8" name="Rectangle 11">
+            <a:extLst>
+              <a:ext uri="{FF2B5EF4-FFF2-40B4-BE49-F238E27FC236}">
+                <a16:creationId xmlns:a16="http://schemas.microsoft.com/office/drawing/2014/main" xmlns="" id="{3DA45A66-D4A8-4EB2-93A8-FC3C8B14C89C}"/>
+              </a:ext>
+            </a:extLst>
+          </p:cNvPr>
+          <p:cNvSpPr/>
+          <p:nvPr/>
+        </p:nvSpPr>
+        <p:spPr>
+          <a:xfrm>
+            <a:off x="289820" y="169277"/>
+            <a:ext cx="8384623" cy="707886"/>
+          </a:xfrm>
+          <a:prstGeom prst="rect">
+            <a:avLst/>
+          </a:prstGeom>
+          <a:noFill/>
+          <a:effectLst>
+            <a:outerShdw blurRad="50800" dist="38100" dir="2700000" algn="tl" rotWithShape="0">
+              <a:prstClr val="black">
+                <a:alpha val="40000"/>
+              </a:prstClr>
+            </a:outerShdw>
+          </a:effectLst>
+        </p:spPr>
+        <p:txBody>
+          <a:bodyPr wrap="square" lIns="91440" tIns="45720" rIns="91440" bIns="45720">
+            <a:spAutoFit/>
+          </a:bodyPr>
+          <a:lstStyle/>
+          <a:p>
+            <a:pPr algn="ctr"/>
+            <a:r>
+              <a:rPr lang="pt-BR" sz="4000" b="1" dirty="0" smtClean="0">
+                <a:ln w="12700">
+                  <a:solidFill>
+                    <a:schemeClr val="accent1"/>
+                  </a:solidFill>
+                  <a:prstDash val="solid"/>
+                </a:ln>
+                <a:solidFill>
+                  <a:srgbClr val="FFFF00"/>
+                </a:solidFill>
+                <a:effectLst>
+                  <a:outerShdw dist="38100" dir="2640000" algn="bl" rotWithShape="0">
+                    <a:schemeClr val="accent1"/>
+                  </a:outerShdw>
+                </a:effectLst>
+              </a:rPr>
+              <a:t>Destaca-se </a:t>
+            </a:r>
+            <a:r>
+              <a:rPr lang="pt-BR" sz="4000" b="1" dirty="0">
+                <a:ln w="12700">
+                  <a:solidFill>
+                    <a:schemeClr val="accent1"/>
+                  </a:solidFill>
+                  <a:prstDash val="solid"/>
+                </a:ln>
+                <a:solidFill>
+                  <a:srgbClr val="FFFF00"/>
+                </a:solidFill>
+                <a:effectLst>
+                  <a:outerShdw dist="38100" dir="2640000" algn="bl" rotWithShape="0">
+                    <a:schemeClr val="accent1"/>
+                  </a:outerShdw>
+                </a:effectLst>
+              </a:rPr>
+              <a:t>como fonte de consulta</a:t>
+            </a:r>
+            <a:endParaRPr lang="en-US" sz="4000" b="1" cap="none" spc="0" dirty="0">
+              <a:ln w="12700">
+                <a:solidFill>
+                  <a:schemeClr val="accent1"/>
+                </a:solidFill>
+                <a:prstDash val="solid"/>
+              </a:ln>
+              <a:solidFill>
+                <a:srgbClr val="FFFF00"/>
+              </a:solidFill>
+              <a:effectLst>
+                <a:outerShdw dist="38100" dir="2640000" algn="bl" rotWithShape="0">
+                  <a:schemeClr val="accent1"/>
+                </a:outerShdw>
+              </a:effectLst>
+            </a:endParaRPr>
+          </a:p>
+        </p:txBody>
+      </p:sp>
+    </p:spTree>
+    <p:extLst>
+      <p:ext uri="{BB962C8B-B14F-4D97-AF65-F5344CB8AC3E}">
+        <p14:creationId xmlns:p14="http://schemas.microsoft.com/office/powerpoint/2010/main" val="3747784531"/>
+      </p:ext>
+    </p:extLst>
+  </p:cSld>
+  <p:clrMapOvr>
+    <a:masterClrMapping/>
+  </p:clrMapOvr>
+  <p:transition spd="slow">
+    <p:wipe/>
+  </p:transition>
+</p:sld>
+</file>
+
+<file path=ppt/slides/slide17.xml><?xml version="1.0" encoding="utf-8"?>
+<p:sld xmlns:a="http://schemas.openxmlformats.org/drawingml/2006/main" xmlns:r="http://schemas.openxmlformats.org/officeDocument/2006/relationships" xmlns:p="http://schemas.openxmlformats.org/presentationml/2006/main">
+  <p:cSld>
+    <p:spTree>
+      <p:nvGrpSpPr>
+        <p:cNvPr id="1" name=""/>
+        <p:cNvGrpSpPr/>
+        <p:nvPr/>
+      </p:nvGrpSpPr>
+      <p:grpSpPr>
+        <a:xfrm>
+          <a:off x="0" y="0"/>
+          <a:ext cx="0" cy="0"/>
+          <a:chOff x="0" y="0"/>
+          <a:chExt cx="0" cy="0"/>
+        </a:xfrm>
+      </p:grpSpPr>
+      <p:pic>
+        <p:nvPicPr>
+          <p:cNvPr id="1026" name="Picture 2" descr="Resultado de imagem para matrix">
+            <a:extLst>
+              <a:ext uri="{FF2B5EF4-FFF2-40B4-BE49-F238E27FC236}">
+                <a16:creationId xmlns:a16="http://schemas.microsoft.com/office/drawing/2014/main" xmlns="" id="{C43632EC-2672-4F6D-9DA0-17A5FFE25C07}"/>
+              </a:ext>
+            </a:extLst>
+          </p:cNvPr>
+          <p:cNvPicPr>
+            <a:picLocks noChangeAspect="1" noChangeArrowheads="1"/>
+          </p:cNvPicPr>
+          <p:nvPr/>
+        </p:nvPicPr>
+        <p:blipFill>
+          <a:blip r:embed="rId3">
+            <a:extLst>
+              <a:ext uri="{28A0092B-C50C-407E-A947-70E740481C1C}">
+                <a14:useLocalDpi xmlns:a14="http://schemas.microsoft.com/office/drawing/2010/main" val="0"/>
+              </a:ext>
+            </a:extLst>
+          </a:blip>
+          <a:srcRect/>
+          <a:stretch>
+            <a:fillRect/>
+          </a:stretch>
+        </p:blipFill>
+        <p:spPr bwMode="auto">
+          <a:xfrm>
+            <a:off x="275573" y="200430"/>
+            <a:ext cx="8404964" cy="4518047"/>
+          </a:xfrm>
+          <a:prstGeom prst="rect">
+            <a:avLst/>
+          </a:prstGeom>
+          <a:noFill/>
+          <a:extLst>
+            <a:ext uri="{909E8E84-426E-40DD-AFC4-6F175D3DCCD1}">
+              <a14:hiddenFill xmlns:a14="http://schemas.microsoft.com/office/drawing/2010/main">
+                <a:solidFill>
+                  <a:srgbClr val="FFFFFF"/>
+                </a:solidFill>
+              </a14:hiddenFill>
+            </a:ext>
+          </a:extLst>
+        </p:spPr>
+      </p:pic>
+      <p:sp>
+        <p:nvSpPr>
+          <p:cNvPr id="14" name="Arrow: Right 13">
+            <a:extLst>
+              <a:ext uri="{FF2B5EF4-FFF2-40B4-BE49-F238E27FC236}">
+                <a16:creationId xmlns:a16="http://schemas.microsoft.com/office/drawing/2014/main" xmlns="" id="{796CEA44-310B-44B9-9452-370144CD966E}"/>
+              </a:ext>
+            </a:extLst>
+          </p:cNvPr>
+          <p:cNvSpPr/>
+          <p:nvPr/>
+        </p:nvSpPr>
+        <p:spPr>
+          <a:xfrm rot="10800000">
+            <a:off x="6588202" y="2866438"/>
+            <a:ext cx="620113" cy="606326"/>
+          </a:xfrm>
+          <a:prstGeom prst="rightArrow">
+            <a:avLst/>
+          </a:prstGeom>
+          <a:solidFill>
+            <a:srgbClr val="FF0000"/>
+          </a:solidFill>
+          <a:ln>
+            <a:solidFill>
+              <a:schemeClr val="tx1"/>
+            </a:solidFill>
+          </a:ln>
+        </p:spPr>
+        <p:style>
+          <a:lnRef idx="2">
+            <a:schemeClr val="accent1">
+              <a:shade val="50000"/>
+            </a:schemeClr>
+          </a:lnRef>
+          <a:fillRef idx="1">
+            <a:schemeClr val="accent1"/>
+          </a:fillRef>
+          <a:effectRef idx="0">
+            <a:schemeClr val="accent1"/>
+          </a:effectRef>
+          <a:fontRef idx="minor">
+            <a:schemeClr val="lt1"/>
+          </a:fontRef>
+        </p:style>
+        <p:txBody>
+          <a:bodyPr rtlCol="0" anchor="ctr"/>
+          <a:lstStyle/>
+          <a:p>
+            <a:pPr algn="ctr"/>
+            <a:endParaRPr lang="pt-BR"/>
+          </a:p>
+        </p:txBody>
+      </p:sp>
+      <p:sp>
+        <p:nvSpPr>
+          <p:cNvPr id="16" name="Rectangle 15">
+            <a:extLst>
+              <a:ext uri="{FF2B5EF4-FFF2-40B4-BE49-F238E27FC236}">
+                <a16:creationId xmlns:a16="http://schemas.microsoft.com/office/drawing/2014/main" xmlns="" id="{72399C4C-7987-4F4F-BF13-12019EEF5EBF}"/>
+              </a:ext>
+            </a:extLst>
+          </p:cNvPr>
+          <p:cNvSpPr/>
+          <p:nvPr/>
+        </p:nvSpPr>
+        <p:spPr>
+          <a:xfrm>
             <a:off x="4766908" y="1048274"/>
             <a:ext cx="3913630" cy="1785104"/>
           </a:xfrm>
@@ -12420,7 +12716,7 @@
 </p:sld>
 </file>
 
-<file path=ppt/slides/slide17.xml><?xml version="1.0" encoding="utf-8"?>
+<file path=ppt/slides/slide18.xml><?xml version="1.0" encoding="utf-8"?>
 <p:sld xmlns:a="http://schemas.openxmlformats.org/drawingml/2006/main" xmlns:r="http://schemas.openxmlformats.org/officeDocument/2006/relationships" xmlns:p="http://schemas.openxmlformats.org/presentationml/2006/main">
   <p:cSld>
     <p:spTree>
@@ -12974,26 +13270,7 @@
                   </a:outerShdw>
                 </a:effectLst>
               </a:rPr>
-              <a:t>HTML:              a TAG      </a:t>
-            </a:r>
-            <a:r>
-              <a:rPr lang="en-US" sz="3100" dirty="0" smtClean="0">
-                <a:ln w="12700">
-                  <a:solidFill>
-                    <a:srgbClr val="FFFF00"/>
-                  </a:solidFill>
-                  <a:prstDash val="solid"/>
-                </a:ln>
-                <a:solidFill>
-                  <a:srgbClr val="FFFF00"/>
-                </a:solidFill>
-                <a:effectLst>
-                  <a:outerShdw dist="38100" dir="2640000" algn="bl" rotWithShape="0">
-                    <a:schemeClr val="accent1"/>
-                  </a:outerShdw>
-                </a:effectLst>
-              </a:rPr>
-              <a:t>&lt;body&gt;</a:t>
+              <a:t>HTML:              a TAG      &lt;body&gt;</a:t>
             </a:r>
             <a:endParaRPr lang="en-US" sz="1400" cap="none" spc="0" dirty="0">
               <a:ln w="12700">
@@ -13492,85 +13769,114 @@
           </a:prstGeom>
         </p:spPr>
       </p:pic>
-      <p:pic>
-        <p:nvPicPr>
-          <p:cNvPr id="3" name="Imagem 2"/>
-          <p:cNvPicPr>
-            <a:picLocks noChangeAspect="1"/>
-          </p:cNvPicPr>
+      <p:grpSp>
+        <p:nvGrpSpPr>
+          <p:cNvPr id="6" name="Grupo 5"/>
+          <p:cNvGrpSpPr/>
           <p:nvPr/>
-        </p:nvPicPr>
-        <p:blipFill>
-          <a:blip r:embed="rId5">
-            <a:extLst>
-              <a:ext uri="{28A0092B-C50C-407E-A947-70E740481C1C}">
-                <a14:useLocalDpi xmlns:a14="http://schemas.microsoft.com/office/drawing/2010/main" val="0"/>
-              </a:ext>
-            </a:extLst>
-          </a:blip>
-          <a:stretch>
-            <a:fillRect/>
-          </a:stretch>
-        </p:blipFill>
-        <p:spPr>
-          <a:xfrm>
-            <a:off x="2911125" y="1197756"/>
-            <a:ext cx="2580424" cy="2801488"/>
-          </a:xfrm>
-          <a:prstGeom prst="rect">
-            <a:avLst/>
-          </a:prstGeom>
-        </p:spPr>
-      </p:pic>
-      <p:pic>
-        <p:nvPicPr>
-          <p:cNvPr id="8" name="Imagem 7"/>
-          <p:cNvPicPr>
-            <a:picLocks noChangeAspect="1"/>
-          </p:cNvPicPr>
-          <p:nvPr/>
-        </p:nvPicPr>
-        <p:blipFill>
-          <a:blip r:embed="rId6"/>
-          <a:stretch>
-            <a:fillRect/>
-          </a:stretch>
-        </p:blipFill>
-        <p:spPr>
-          <a:xfrm>
-            <a:off x="3587262" y="2672862"/>
-            <a:ext cx="1228023" cy="1121163"/>
-          </a:xfrm>
-          <a:prstGeom prst="rect">
-            <a:avLst/>
-          </a:prstGeom>
-        </p:spPr>
-      </p:pic>
-      <p:sp>
-        <p:nvSpPr>
-          <p:cNvPr id="9" name="Retângulo 8"/>
-          <p:cNvSpPr/>
-          <p:nvPr/>
-        </p:nvSpPr>
-        <p:spPr>
-          <a:xfrm rot="16488384">
-            <a:off x="3304952" y="1809606"/>
-            <a:ext cx="1942532" cy="369332"/>
-          </a:xfrm>
-          <a:prstGeom prst="rect">
-            <a:avLst/>
-          </a:prstGeom>
-          <a:noFill/>
-        </p:spPr>
-        <p:txBody>
-          <a:bodyPr wrap="square" lIns="91440" tIns="45720" rIns="91440" bIns="45720">
-            <a:spAutoFit/>
-          </a:bodyPr>
-          <a:lstStyle/>
-          <a:p>
-            <a:pPr algn="ctr"/>
-            <a:r>
-              <a:rPr lang="pt-BR" b="0" cap="none" spc="0" dirty="0" smtClean="0">
+        </p:nvGrpSpPr>
+        <p:grpSpPr>
+          <a:xfrm>
+            <a:off x="2911125" y="1003894"/>
+            <a:ext cx="2580424" cy="2995350"/>
+            <a:chOff x="2911125" y="1003894"/>
+            <a:chExt cx="2580424" cy="2995350"/>
+          </a:xfrm>
+        </p:grpSpPr>
+        <p:pic>
+          <p:nvPicPr>
+            <p:cNvPr id="3" name="Imagem 2"/>
+            <p:cNvPicPr>
+              <a:picLocks noChangeAspect="1"/>
+            </p:cNvPicPr>
+            <p:nvPr/>
+          </p:nvPicPr>
+          <p:blipFill>
+            <a:blip r:embed="rId5">
+              <a:extLst>
+                <a:ext uri="{28A0092B-C50C-407E-A947-70E740481C1C}">
+                  <a14:useLocalDpi xmlns:a14="http://schemas.microsoft.com/office/drawing/2010/main" val="0"/>
+                </a:ext>
+              </a:extLst>
+            </a:blip>
+            <a:stretch>
+              <a:fillRect/>
+            </a:stretch>
+          </p:blipFill>
+          <p:spPr>
+            <a:xfrm>
+              <a:off x="2911125" y="1197756"/>
+              <a:ext cx="2580424" cy="2801488"/>
+            </a:xfrm>
+            <a:prstGeom prst="rect">
+              <a:avLst/>
+            </a:prstGeom>
+          </p:spPr>
+        </p:pic>
+        <p:pic>
+          <p:nvPicPr>
+            <p:cNvPr id="8" name="Imagem 7"/>
+            <p:cNvPicPr>
+              <a:picLocks noChangeAspect="1"/>
+            </p:cNvPicPr>
+            <p:nvPr/>
+          </p:nvPicPr>
+          <p:blipFill>
+            <a:blip r:embed="rId6"/>
+            <a:stretch>
+              <a:fillRect/>
+            </a:stretch>
+          </p:blipFill>
+          <p:spPr>
+            <a:xfrm>
+              <a:off x="3587262" y="2672862"/>
+              <a:ext cx="1228023" cy="1121163"/>
+            </a:xfrm>
+            <a:prstGeom prst="rect">
+              <a:avLst/>
+            </a:prstGeom>
+          </p:spPr>
+        </p:pic>
+        <p:sp>
+          <p:nvSpPr>
+            <p:cNvPr id="9" name="Retângulo 8"/>
+            <p:cNvSpPr/>
+            <p:nvPr/>
+          </p:nvSpPr>
+          <p:spPr>
+            <a:xfrm rot="16488384">
+              <a:off x="3304952" y="1809606"/>
+              <a:ext cx="1942532" cy="369332"/>
+            </a:xfrm>
+            <a:prstGeom prst="rect">
+              <a:avLst/>
+            </a:prstGeom>
+            <a:noFill/>
+          </p:spPr>
+          <p:txBody>
+            <a:bodyPr wrap="square" lIns="91440" tIns="45720" rIns="91440" bIns="45720">
+              <a:spAutoFit/>
+            </a:bodyPr>
+            <a:lstStyle/>
+            <a:p>
+              <a:pPr algn="ctr"/>
+              <a:r>
+                <a:rPr lang="pt-BR" b="0" cap="none" spc="0" dirty="0" smtClean="0">
+                  <a:ln w="0"/>
+                  <a:solidFill>
+                    <a:schemeClr val="accent1"/>
+                  </a:solidFill>
+                  <a:effectLst>
+                    <a:outerShdw blurRad="38100" dist="25400" dir="5400000" algn="ctr" rotWithShape="0">
+                      <a:srgbClr val="6E747A">
+                        <a:alpha val="43000"/>
+                      </a:srgbClr>
+                    </a:outerShdw>
+                  </a:effectLst>
+                </a:rPr>
+                <a:t>Vida Longa </a:t>
+              </a:r>
+              <a:endParaRPr lang="pt-BR" b="0" cap="none" spc="0" dirty="0">
                 <a:ln w="0"/>
                 <a:solidFill>
                   <a:schemeClr val="accent1"/>
@@ -13582,50 +13888,50 @@
                     </a:srgbClr>
                   </a:outerShdw>
                 </a:effectLst>
-              </a:rPr>
-              <a:t>Vida Longa </a:t>
-            </a:r>
-            <a:endParaRPr lang="pt-BR" b="0" cap="none" spc="0" dirty="0">
-              <a:ln w="0"/>
-              <a:solidFill>
-                <a:schemeClr val="accent1"/>
-              </a:solidFill>
-              <a:effectLst>
-                <a:outerShdw blurRad="38100" dist="25400" dir="5400000" algn="ctr" rotWithShape="0">
-                  <a:srgbClr val="6E747A">
-                    <a:alpha val="43000"/>
-                  </a:srgbClr>
-                </a:outerShdw>
-              </a:effectLst>
-            </a:endParaRPr>
-          </a:p>
-        </p:txBody>
-      </p:sp>
-      <p:sp>
-        <p:nvSpPr>
-          <p:cNvPr id="12" name="Retângulo 11"/>
-          <p:cNvSpPr/>
-          <p:nvPr/>
-        </p:nvSpPr>
-        <p:spPr>
-          <a:xfrm rot="16488384">
-            <a:off x="3525127" y="1839852"/>
-            <a:ext cx="2041248" cy="369332"/>
-          </a:xfrm>
-          <a:prstGeom prst="rect">
-            <a:avLst/>
-          </a:prstGeom>
-          <a:noFill/>
-        </p:spPr>
-        <p:txBody>
-          <a:bodyPr wrap="square" lIns="91440" tIns="45720" rIns="91440" bIns="45720">
-            <a:spAutoFit/>
-          </a:bodyPr>
-          <a:lstStyle/>
-          <a:p>
-            <a:pPr algn="ctr"/>
-            <a:r>
-              <a:rPr lang="pt-BR" b="0" cap="none" spc="0" dirty="0" smtClean="0">
+              </a:endParaRPr>
+            </a:p>
+          </p:txBody>
+        </p:sp>
+        <p:sp>
+          <p:nvSpPr>
+            <p:cNvPr id="12" name="Retângulo 11"/>
+            <p:cNvSpPr/>
+            <p:nvPr/>
+          </p:nvSpPr>
+          <p:spPr>
+            <a:xfrm rot="16488384">
+              <a:off x="3525127" y="1839852"/>
+              <a:ext cx="2041248" cy="369332"/>
+            </a:xfrm>
+            <a:prstGeom prst="rect">
+              <a:avLst/>
+            </a:prstGeom>
+            <a:noFill/>
+          </p:spPr>
+          <p:txBody>
+            <a:bodyPr wrap="square" lIns="91440" tIns="45720" rIns="91440" bIns="45720">
+              <a:spAutoFit/>
+            </a:bodyPr>
+            <a:lstStyle/>
+            <a:p>
+              <a:pPr algn="ctr"/>
+              <a:r>
+                <a:rPr lang="pt-BR" b="0" cap="none" spc="0" dirty="0" smtClean="0">
+                  <a:ln w="0"/>
+                  <a:solidFill>
+                    <a:schemeClr val="accent1"/>
+                  </a:solidFill>
+                  <a:effectLst>
+                    <a:outerShdw blurRad="38100" dist="25400" dir="5400000" algn="ctr" rotWithShape="0">
+                      <a:srgbClr val="6E747A">
+                        <a:alpha val="43000"/>
+                      </a:srgbClr>
+                    </a:outerShdw>
+                  </a:effectLst>
+                </a:rPr>
+                <a:t>E Próspera </a:t>
+              </a:r>
+              <a:endParaRPr lang="pt-BR" b="0" cap="none" spc="0" dirty="0">
                 <a:ln w="0"/>
                 <a:solidFill>
                   <a:schemeClr val="accent1"/>
@@ -13637,25 +13943,11 @@
                     </a:srgbClr>
                   </a:outerShdw>
                 </a:effectLst>
-              </a:rPr>
-              <a:t>E Próspera </a:t>
-            </a:r>
-            <a:endParaRPr lang="pt-BR" b="0" cap="none" spc="0" dirty="0">
-              <a:ln w="0"/>
-              <a:solidFill>
-                <a:schemeClr val="accent1"/>
-              </a:solidFill>
-              <a:effectLst>
-                <a:outerShdw blurRad="38100" dist="25400" dir="5400000" algn="ctr" rotWithShape="0">
-                  <a:srgbClr val="6E747A">
-                    <a:alpha val="43000"/>
-                  </a:srgbClr>
-                </a:outerShdw>
-              </a:effectLst>
-            </a:endParaRPr>
-          </a:p>
-        </p:txBody>
-      </p:sp>
+              </a:endParaRPr>
+            </a:p>
+          </p:txBody>
+        </p:sp>
+      </p:grpSp>
     </p:spTree>
     <p:extLst>
       <p:ext uri="{BB962C8B-B14F-4D97-AF65-F5344CB8AC3E}">
@@ -13817,26 +14109,7 @@
                   </a:outerShdw>
                 </a:effectLst>
               </a:rPr>
-              <a:t>                        a                             TAG                             </a:t>
-            </a:r>
-            <a:r>
-              <a:rPr lang="en-US" sz="3100" dirty="0" smtClean="0">
-                <a:ln w="12700">
-                  <a:solidFill>
-                    <a:srgbClr val="FFFF00"/>
-                  </a:solidFill>
-                  <a:prstDash val="solid"/>
-                </a:ln>
-                <a:solidFill>
-                  <a:srgbClr val="FFFF00"/>
-                </a:solidFill>
-                <a:effectLst>
-                  <a:outerShdw dist="38100" dir="2640000" algn="bl" rotWithShape="0">
-                    <a:schemeClr val="accent1"/>
-                  </a:outerShdw>
-                </a:effectLst>
-              </a:rPr>
-              <a:t>&lt;body&gt;</a:t>
+              <a:t>                        a                             TAG                             &lt;body&gt;</a:t>
             </a:r>
             <a:endParaRPr lang="en-US" sz="1400" cap="none" spc="0" dirty="0">
               <a:ln w="12700">
@@ -14257,19 +14530,6 @@
               </a:rPr>
               <a:t>&lt;body&gt;</a:t>
             </a:r>
-            <a:endParaRPr lang="pt-BR" sz="3500" dirty="0" smtClean="0">
-              <a:ln w="0"/>
-              <a:solidFill>
-                <a:schemeClr val="bg1"/>
-              </a:solidFill>
-              <a:effectLst>
-                <a:outerShdw blurRad="38100" dist="19050" dir="2700000" algn="tl" rotWithShape="0">
-                  <a:schemeClr val="dk1">
-                    <a:alpha val="40000"/>
-                  </a:schemeClr>
-                </a:outerShdw>
-              </a:effectLst>
-            </a:endParaRPr>
           </a:p>
         </p:txBody>
       </p:sp>
@@ -16747,37 +17007,8 @@
                   </a:outerShdw>
                 </a:effectLst>
               </a:rPr>
-              <a:t>Tag </a:t>
-            </a:r>
-            <a:r>
-              <a:rPr lang="pt-BR" sz="3500" dirty="0" smtClean="0">
-                <a:ln w="0"/>
-                <a:solidFill>
-                  <a:schemeClr val="bg1"/>
-                </a:solidFill>
-                <a:effectLst>
-                  <a:outerShdw blurRad="38100" dist="19050" dir="2700000" algn="tl" rotWithShape="0">
-                    <a:schemeClr val="dk1">
-                      <a:alpha val="40000"/>
-                    </a:schemeClr>
-                  </a:outerShdw>
-                </a:effectLst>
-              </a:rPr>
-              <a:t>&lt;body&gt;</a:t>
-            </a:r>
-            <a:endParaRPr lang="pt-BR" sz="3500" dirty="0" smtClean="0">
-              <a:ln w="0"/>
-              <a:solidFill>
-                <a:schemeClr val="bg1"/>
-              </a:solidFill>
-              <a:effectLst>
-                <a:outerShdw blurRad="38100" dist="19050" dir="2700000" algn="tl" rotWithShape="0">
-                  <a:schemeClr val="dk1">
-                    <a:alpha val="40000"/>
-                  </a:schemeClr>
-                </a:outerShdw>
-              </a:effectLst>
-            </a:endParaRPr>
+              <a:t>Tag &lt;body&gt;</a:t>
+            </a:r>
           </a:p>
         </p:txBody>
       </p:sp>
